--- a/DBMS-Project/others-details/Presentation-001.pptx
+++ b/DBMS-Project/others-details/Presentation-001.pptx
@@ -5,10 +5,10 @@
     <p:sldMasterId id="2147483672" r:id="rId1"/>
   </p:sldMasterIdLst>
   <p:notesMasterIdLst>
-    <p:notesMasterId r:id="rId16"/>
+    <p:notesMasterId r:id="rId19"/>
   </p:notesMasterIdLst>
   <p:handoutMasterIdLst>
-    <p:handoutMasterId r:id="rId17"/>
+    <p:handoutMasterId r:id="rId20"/>
   </p:handoutMasterIdLst>
   <p:sldIdLst>
     <p:sldId id="260" r:id="rId2"/>
@@ -24,7 +24,10 @@
     <p:sldId id="317" r:id="rId12"/>
     <p:sldId id="318" r:id="rId13"/>
     <p:sldId id="321" r:id="rId14"/>
-    <p:sldId id="305" r:id="rId15"/>
+    <p:sldId id="322" r:id="rId15"/>
+    <p:sldId id="323" r:id="rId16"/>
+    <p:sldId id="324" r:id="rId17"/>
+    <p:sldId id="305" r:id="rId18"/>
   </p:sldIdLst>
   <p:sldSz cx="12188825" cy="6858000"/>
   <p:notesSz cx="6858000" cy="9144000"/>
@@ -6148,8 +6151,8 @@
         </p:nvSpPr>
         <p:spPr bwMode="auto">
           <a:xfrm>
-            <a:off x="1522413" y="2585194"/>
-            <a:ext cx="6262355" cy="2308324"/>
+            <a:off x="1470820" y="1439917"/>
+            <a:ext cx="9704387" cy="2308324"/>
           </a:xfrm>
           <a:prstGeom prst="rect">
             <a:avLst/>
@@ -6189,7 +6192,7 @@
           </a:extLst>
         </p:spPr>
         <p:txBody>
-          <a:bodyPr vert="horz" wrap="none" lIns="91440" tIns="45720" rIns="91440" bIns="45720" numCol="1" anchor="ctr" anchorCtr="0" compatLnSpc="1">
+          <a:bodyPr vert="horz" wrap="square" lIns="91440" tIns="45720" rIns="91440" bIns="45720" numCol="1" anchor="ctr" anchorCtr="0" compatLnSpc="1">
             <a:prstTxWarp prst="textNoShape">
               <a:avLst/>
             </a:prstTxWarp>
@@ -6839,6 +6842,306 @@
       </p:grpSpPr>
       <p:sp>
         <p:nvSpPr>
+          <p:cNvPr id="2" name="Footer Placeholder 1">
+            <a:extLst>
+              <a:ext uri="{FF2B5EF4-FFF2-40B4-BE49-F238E27FC236}">
+                <a16:creationId xmlns:a16="http://schemas.microsoft.com/office/drawing/2014/main" id="{F8047B65-3C85-01ED-60B3-1F08DC22B84B}"/>
+              </a:ext>
+            </a:extLst>
+          </p:cNvPr>
+          <p:cNvSpPr>
+            <a:spLocks noGrp="1"/>
+          </p:cNvSpPr>
+          <p:nvPr>
+            <p:ph type="ftr" sz="quarter" idx="11"/>
+          </p:nvPr>
+        </p:nvSpPr>
+        <p:spPr/>
+        <p:txBody>
+          <a:bodyPr/>
+          <a:lstStyle/>
+          <a:p>
+            <a:r>
+              <a:rPr lang="en-US"/>
+              <a:t>DBMS Project PPT 2024-25 Even Sem</a:t>
+            </a:r>
+          </a:p>
+        </p:txBody>
+      </p:sp>
+      <p:pic>
+        <p:nvPicPr>
+          <p:cNvPr id="4" name="Picture 3">
+            <a:extLst>
+              <a:ext uri="{FF2B5EF4-FFF2-40B4-BE49-F238E27FC236}">
+                <a16:creationId xmlns:a16="http://schemas.microsoft.com/office/drawing/2014/main" id="{2C5899B9-9247-AC53-A422-0EDE2C6E5B28}"/>
+              </a:ext>
+            </a:extLst>
+          </p:cNvPr>
+          <p:cNvPicPr>
+            <a:picLocks noChangeAspect="1"/>
+          </p:cNvPicPr>
+          <p:nvPr/>
+        </p:nvPicPr>
+        <p:blipFill>
+          <a:blip r:embed="rId2"/>
+          <a:stretch>
+            <a:fillRect/>
+          </a:stretch>
+        </p:blipFill>
+        <p:spPr>
+          <a:xfrm>
+            <a:off x="1046349" y="1148080"/>
+            <a:ext cx="10485251" cy="4900990"/>
+          </a:xfrm>
+          <a:prstGeom prst="rect">
+            <a:avLst/>
+          </a:prstGeom>
+        </p:spPr>
+      </p:pic>
+    </p:spTree>
+    <p:extLst>
+      <p:ext uri="{BB962C8B-B14F-4D97-AF65-F5344CB8AC3E}">
+        <p14:creationId xmlns:p14="http://schemas.microsoft.com/office/powerpoint/2010/main" val="2591507089"/>
+      </p:ext>
+    </p:extLst>
+  </p:cSld>
+  <p:clrMapOvr>
+    <a:masterClrMapping/>
+  </p:clrMapOvr>
+  <mc:AlternateContent xmlns:mc="http://schemas.openxmlformats.org/markup-compatibility/2006" xmlns:p14="http://schemas.microsoft.com/office/powerpoint/2010/main">
+    <mc:Choice Requires="p14">
+      <p:transition spd="med" p14:dur="700">
+        <p:fade/>
+      </p:transition>
+    </mc:Choice>
+    <mc:Fallback xmlns="">
+      <p:transition spd="med">
+        <p:fade/>
+      </p:transition>
+    </mc:Fallback>
+  </mc:AlternateContent>
+</p:sld>
+</file>
+
+<file path=ppt/slides/slide15.xml><?xml version="1.0" encoding="utf-8"?>
+<p:sld xmlns:a="http://schemas.openxmlformats.org/drawingml/2006/main" xmlns:r="http://schemas.openxmlformats.org/officeDocument/2006/relationships" xmlns:p="http://schemas.openxmlformats.org/presentationml/2006/main">
+  <p:cSld>
+    <p:spTree>
+      <p:nvGrpSpPr>
+        <p:cNvPr id="1" name=""/>
+        <p:cNvGrpSpPr/>
+        <p:nvPr/>
+      </p:nvGrpSpPr>
+      <p:grpSpPr>
+        <a:xfrm>
+          <a:off x="0" y="0"/>
+          <a:ext cx="0" cy="0"/>
+          <a:chOff x="0" y="0"/>
+          <a:chExt cx="0" cy="0"/>
+        </a:xfrm>
+      </p:grpSpPr>
+      <p:sp>
+        <p:nvSpPr>
+          <p:cNvPr id="2" name="Footer Placeholder 1">
+            <a:extLst>
+              <a:ext uri="{FF2B5EF4-FFF2-40B4-BE49-F238E27FC236}">
+                <a16:creationId xmlns:a16="http://schemas.microsoft.com/office/drawing/2014/main" id="{A54FAD18-1E12-3516-F3A4-3B2E90BB8130}"/>
+              </a:ext>
+            </a:extLst>
+          </p:cNvPr>
+          <p:cNvSpPr>
+            <a:spLocks noGrp="1"/>
+          </p:cNvSpPr>
+          <p:nvPr>
+            <p:ph type="ftr" sz="quarter" idx="11"/>
+          </p:nvPr>
+        </p:nvSpPr>
+        <p:spPr/>
+        <p:txBody>
+          <a:bodyPr/>
+          <a:lstStyle/>
+          <a:p>
+            <a:r>
+              <a:rPr lang="en-US"/>
+              <a:t>DBMS Project PPT 2024-25 Even Sem</a:t>
+            </a:r>
+          </a:p>
+        </p:txBody>
+      </p:sp>
+      <p:pic>
+        <p:nvPicPr>
+          <p:cNvPr id="4" name="Picture 3">
+            <a:extLst>
+              <a:ext uri="{FF2B5EF4-FFF2-40B4-BE49-F238E27FC236}">
+                <a16:creationId xmlns:a16="http://schemas.microsoft.com/office/drawing/2014/main" id="{5AD34443-F650-D706-6CD3-E9E195EAF7CD}"/>
+              </a:ext>
+            </a:extLst>
+          </p:cNvPr>
+          <p:cNvPicPr>
+            <a:picLocks noChangeAspect="1"/>
+          </p:cNvPicPr>
+          <p:nvPr/>
+        </p:nvPicPr>
+        <p:blipFill>
+          <a:blip r:embed="rId2"/>
+          <a:stretch>
+            <a:fillRect/>
+          </a:stretch>
+        </p:blipFill>
+        <p:spPr>
+          <a:xfrm>
+            <a:off x="1147775" y="862482"/>
+            <a:ext cx="10282225" cy="5309718"/>
+          </a:xfrm>
+          <a:prstGeom prst="rect">
+            <a:avLst/>
+          </a:prstGeom>
+        </p:spPr>
+      </p:pic>
+    </p:spTree>
+    <p:extLst>
+      <p:ext uri="{BB962C8B-B14F-4D97-AF65-F5344CB8AC3E}">
+        <p14:creationId xmlns:p14="http://schemas.microsoft.com/office/powerpoint/2010/main" val="4013421960"/>
+      </p:ext>
+    </p:extLst>
+  </p:cSld>
+  <p:clrMapOvr>
+    <a:masterClrMapping/>
+  </p:clrMapOvr>
+  <mc:AlternateContent xmlns:mc="http://schemas.openxmlformats.org/markup-compatibility/2006" xmlns:p14="http://schemas.microsoft.com/office/powerpoint/2010/main">
+    <mc:Choice Requires="p14">
+      <p:transition spd="med" p14:dur="700">
+        <p:fade/>
+      </p:transition>
+    </mc:Choice>
+    <mc:Fallback xmlns="">
+      <p:transition spd="med">
+        <p:fade/>
+      </p:transition>
+    </mc:Fallback>
+  </mc:AlternateContent>
+</p:sld>
+</file>
+
+<file path=ppt/slides/slide16.xml><?xml version="1.0" encoding="utf-8"?>
+<p:sld xmlns:a="http://schemas.openxmlformats.org/drawingml/2006/main" xmlns:r="http://schemas.openxmlformats.org/officeDocument/2006/relationships" xmlns:p="http://schemas.openxmlformats.org/presentationml/2006/main">
+  <p:cSld>
+    <p:spTree>
+      <p:nvGrpSpPr>
+        <p:cNvPr id="1" name=""/>
+        <p:cNvGrpSpPr/>
+        <p:nvPr/>
+      </p:nvGrpSpPr>
+      <p:grpSpPr>
+        <a:xfrm>
+          <a:off x="0" y="0"/>
+          <a:ext cx="0" cy="0"/>
+          <a:chOff x="0" y="0"/>
+          <a:chExt cx="0" cy="0"/>
+        </a:xfrm>
+      </p:grpSpPr>
+      <p:sp>
+        <p:nvSpPr>
+          <p:cNvPr id="2" name="Footer Placeholder 1">
+            <a:extLst>
+              <a:ext uri="{FF2B5EF4-FFF2-40B4-BE49-F238E27FC236}">
+                <a16:creationId xmlns:a16="http://schemas.microsoft.com/office/drawing/2014/main" id="{307E04F7-969B-A1F2-67F7-D4CC469E5F5F}"/>
+              </a:ext>
+            </a:extLst>
+          </p:cNvPr>
+          <p:cNvSpPr>
+            <a:spLocks noGrp="1"/>
+          </p:cNvSpPr>
+          <p:nvPr>
+            <p:ph type="ftr" sz="quarter" idx="11"/>
+          </p:nvPr>
+        </p:nvSpPr>
+        <p:spPr/>
+        <p:txBody>
+          <a:bodyPr/>
+          <a:lstStyle/>
+          <a:p>
+            <a:r>
+              <a:rPr lang="en-US"/>
+              <a:t>DBMS Project PPT 2024-25 Even Sem</a:t>
+            </a:r>
+          </a:p>
+        </p:txBody>
+      </p:sp>
+      <p:pic>
+        <p:nvPicPr>
+          <p:cNvPr id="4" name="Picture 3">
+            <a:extLst>
+              <a:ext uri="{FF2B5EF4-FFF2-40B4-BE49-F238E27FC236}">
+                <a16:creationId xmlns:a16="http://schemas.microsoft.com/office/drawing/2014/main" id="{BC4F4C96-F09F-B1E7-29B8-AEE016DB95BF}"/>
+              </a:ext>
+            </a:extLst>
+          </p:cNvPr>
+          <p:cNvPicPr>
+            <a:picLocks noChangeAspect="1"/>
+          </p:cNvPicPr>
+          <p:nvPr/>
+        </p:nvPicPr>
+        <p:blipFill>
+          <a:blip r:embed="rId2"/>
+          <a:stretch>
+            <a:fillRect/>
+          </a:stretch>
+        </p:blipFill>
+        <p:spPr>
+          <a:xfrm>
+            <a:off x="1149773" y="804383"/>
+            <a:ext cx="10229428" cy="5640866"/>
+          </a:xfrm>
+          <a:prstGeom prst="rect">
+            <a:avLst/>
+          </a:prstGeom>
+        </p:spPr>
+      </p:pic>
+    </p:spTree>
+    <p:extLst>
+      <p:ext uri="{BB962C8B-B14F-4D97-AF65-F5344CB8AC3E}">
+        <p14:creationId xmlns:p14="http://schemas.microsoft.com/office/powerpoint/2010/main" val="2751499260"/>
+      </p:ext>
+    </p:extLst>
+  </p:cSld>
+  <p:clrMapOvr>
+    <a:masterClrMapping/>
+  </p:clrMapOvr>
+  <mc:AlternateContent xmlns:mc="http://schemas.openxmlformats.org/markup-compatibility/2006" xmlns:p14="http://schemas.microsoft.com/office/powerpoint/2010/main">
+    <mc:Choice Requires="p14">
+      <p:transition spd="med" p14:dur="700">
+        <p:fade/>
+      </p:transition>
+    </mc:Choice>
+    <mc:Fallback xmlns="">
+      <p:transition spd="med">
+        <p:fade/>
+      </p:transition>
+    </mc:Fallback>
+  </mc:AlternateContent>
+</p:sld>
+</file>
+
+<file path=ppt/slides/slide17.xml><?xml version="1.0" encoding="utf-8"?>
+<p:sld xmlns:a="http://schemas.openxmlformats.org/drawingml/2006/main" xmlns:r="http://schemas.openxmlformats.org/officeDocument/2006/relationships" xmlns:p="http://schemas.openxmlformats.org/presentationml/2006/main">
+  <p:cSld>
+    <p:spTree>
+      <p:nvGrpSpPr>
+        <p:cNvPr id="1" name=""/>
+        <p:cNvGrpSpPr/>
+        <p:nvPr/>
+      </p:nvGrpSpPr>
+      <p:grpSpPr>
+        <a:xfrm>
+          <a:off x="0" y="0"/>
+          <a:ext cx="0" cy="0"/>
+          <a:chOff x="0" y="0"/>
+          <a:chExt cx="0" cy="0"/>
+        </a:xfrm>
+      </p:grpSpPr>
+      <p:sp>
+        <p:nvSpPr>
           <p:cNvPr id="3" name="Content Placeholder 2"/>
           <p:cNvSpPr>
             <a:spLocks noGrp="1"/>
@@ -6962,13 +7265,13 @@
           <a:lstStyle/>
           <a:p>
             <a:r>
-              <a:rPr lang="en-US" b="1">
+              <a:rPr lang="en-US" b="1" dirty="0">
                 <a:latin typeface="Arial"/>
                 <a:cs typeface="Arial"/>
               </a:rPr>
               <a:t>Index</a:t>
             </a:r>
-            <a:endParaRPr lang="en-US"/>
+            <a:endParaRPr lang="en-US" dirty="0"/>
           </a:p>
         </p:txBody>
       </p:sp>
@@ -7238,7 +7541,7 @@
         </p:nvSpPr>
         <p:spPr>
           <a:xfrm>
-            <a:off x="1522414" y="533400"/>
+            <a:off x="1517950" y="412751"/>
             <a:ext cx="9601200" cy="955396"/>
           </a:xfrm>
         </p:spPr>
@@ -7248,13 +7551,13 @@
           <a:p>
             <a:pPr algn="ctr"/>
             <a:r>
-              <a:rPr lang="en-US" b="1">
+              <a:rPr lang="en-US" b="1" dirty="0">
                 <a:latin typeface="Arial"/>
                 <a:cs typeface="Arial"/>
               </a:rPr>
               <a:t>INTRODUCTION</a:t>
             </a:r>
-            <a:endParaRPr lang="en-US">
+            <a:endParaRPr lang="en-US" dirty="0">
               <a:latin typeface="Arial"/>
               <a:cs typeface="Arial"/>
             </a:endParaRPr>
@@ -7307,8 +7610,8 @@
         </p:nvSpPr>
         <p:spPr bwMode="auto">
           <a:xfrm>
-            <a:off x="1522413" y="2016125"/>
-            <a:ext cx="9601200" cy="4003675"/>
+            <a:off x="975360" y="1686555"/>
+            <a:ext cx="10340183" cy="4662815"/>
           </a:xfrm>
           <a:prstGeom prst="rect">
             <a:avLst/>
@@ -7348,7 +7651,7 @@
           </a:extLst>
         </p:spPr>
         <p:txBody>
-          <a:bodyPr vert="horz" wrap="none" lIns="91440" tIns="45720" rIns="91440" bIns="45720" numCol="1" anchor="ctr" anchorCtr="0" compatLnSpc="1">
+          <a:bodyPr vert="horz" wrap="square" lIns="91440" tIns="45720" rIns="91440" bIns="45720" numCol="1" anchor="ctr" anchorCtr="0" compatLnSpc="1">
             <a:prstTxWarp prst="textNoShape">
               <a:avLst/>
             </a:prstTxWarp>
@@ -7356,9 +7659,9 @@
           </a:bodyPr>
           <a:lstStyle/>
           <a:p>
-            <a:pPr marL="0" marR="0" lvl="0" indent="0" algn="l" defTabSz="914400" rtl="0" eaLnBrk="0" fontAlgn="base" latinLnBrk="0" hangingPunct="0">
+            <a:pPr eaLnBrk="0" fontAlgn="base" hangingPunct="0">
               <a:lnSpc>
-                <a:spcPct val="100000"/>
+                <a:spcPct val="150000"/>
               </a:lnSpc>
               <a:spcBef>
                 <a:spcPct val="0"/>
@@ -7367,10 +7670,6 @@
                 <a:spcPct val="0"/>
               </a:spcAft>
               <a:buClrTx/>
-              <a:buSzTx/>
-              <a:buFontTx/>
-              <a:buChar char="•"/>
-              <a:tabLst/>
             </a:pPr>
             <a:r>
               <a:rPr kumimoji="0" lang="en-US" altLang="en-US" sz="1800" b="1" i="0" u="none" strike="noStrike" cap="none" normalizeH="0" baseline="0" dirty="0">
@@ -7382,6 +7681,7 @@
                 </a:solidFill>
                 <a:effectLst/>
                 <a:latin typeface="Arial" panose="020B0604020202020204" pitchFamily="34" charset="0"/>
+                <a:cs typeface="Arial" panose="020B0604020202020204" pitchFamily="34" charset="0"/>
               </a:rPr>
               <a:t>Title:</a:t>
             </a:r>
@@ -7395,14 +7695,19 @@
                 </a:solidFill>
                 <a:effectLst/>
                 <a:latin typeface="Arial" panose="020B0604020202020204" pitchFamily="34" charset="0"/>
+                <a:cs typeface="Arial" panose="020B0604020202020204" pitchFamily="34" charset="0"/>
               </a:rPr>
               <a:t> Secured Online Bank Management System</a:t>
             </a:r>
-          </a:p>
-          <a:p>
-            <a:pPr marL="0" marR="0" lvl="0" indent="0" algn="l" defTabSz="914400" rtl="0" eaLnBrk="0" fontAlgn="base" latinLnBrk="0" hangingPunct="0">
+            <a:endParaRPr lang="en-US" altLang="en-US" sz="1800" dirty="0">
+              <a:latin typeface="Arial" panose="020B0604020202020204" pitchFamily="34" charset="0"/>
+              <a:cs typeface="Arial" panose="020B0604020202020204" pitchFamily="34" charset="0"/>
+            </a:endParaRPr>
+          </a:p>
+          <a:p>
+            <a:pPr eaLnBrk="0" fontAlgn="base" hangingPunct="0">
               <a:lnSpc>
-                <a:spcPct val="100000"/>
+                <a:spcPct val="150000"/>
               </a:lnSpc>
               <a:spcBef>
                 <a:spcPct val="0"/>
@@ -7411,10 +7716,31 @@
                 <a:spcPct val="0"/>
               </a:spcAft>
               <a:buClrTx/>
-              <a:buSzTx/>
-              <a:buFontTx/>
-              <a:buChar char="•"/>
-              <a:tabLst/>
+            </a:pPr>
+            <a:endParaRPr kumimoji="0" lang="en-US" altLang="en-US" sz="1800" b="0" i="0" u="none" strike="noStrike" cap="none" normalizeH="0" baseline="0" dirty="0">
+              <a:ln>
+                <a:noFill/>
+              </a:ln>
+              <a:solidFill>
+                <a:schemeClr val="tx1"/>
+              </a:solidFill>
+              <a:effectLst/>
+              <a:latin typeface="Arial" panose="020B0604020202020204" pitchFamily="34" charset="0"/>
+              <a:cs typeface="Arial" panose="020B0604020202020204" pitchFamily="34" charset="0"/>
+            </a:endParaRPr>
+          </a:p>
+          <a:p>
+            <a:pPr eaLnBrk="0" fontAlgn="base" hangingPunct="0">
+              <a:lnSpc>
+                <a:spcPct val="150000"/>
+              </a:lnSpc>
+              <a:spcBef>
+                <a:spcPct val="0"/>
+              </a:spcBef>
+              <a:spcAft>
+                <a:spcPct val="0"/>
+              </a:spcAft>
+              <a:buClrTx/>
             </a:pPr>
             <a:r>
               <a:rPr kumimoji="0" lang="en-US" altLang="en-US" sz="1800" b="1" i="0" u="none" strike="noStrike" cap="none" normalizeH="0" baseline="0" dirty="0">
@@ -7426,6 +7752,7 @@
                 </a:solidFill>
                 <a:effectLst/>
                 <a:latin typeface="Arial" panose="020B0604020202020204" pitchFamily="34" charset="0"/>
+                <a:cs typeface="Arial" panose="020B0604020202020204" pitchFamily="34" charset="0"/>
               </a:rPr>
               <a:t>Overview:</a:t>
             </a:r>
@@ -7438,12 +7765,13 @@
               </a:solidFill>
               <a:effectLst/>
               <a:latin typeface="Arial" panose="020B0604020202020204" pitchFamily="34" charset="0"/>
+              <a:cs typeface="Arial" panose="020B0604020202020204" pitchFamily="34" charset="0"/>
             </a:endParaRPr>
           </a:p>
           <a:p>
-            <a:pPr marL="0" marR="0" lvl="0" indent="0" algn="l" defTabSz="914400" rtl="0" eaLnBrk="0" fontAlgn="base" latinLnBrk="0" hangingPunct="0">
+            <a:pPr marL="279082" lvl="1" indent="0" eaLnBrk="0" fontAlgn="base" hangingPunct="0">
               <a:lnSpc>
-                <a:spcPct val="100000"/>
+                <a:spcPct val="150000"/>
               </a:lnSpc>
               <a:spcBef>
                 <a:spcPct val="0"/>
@@ -7452,13 +7780,11 @@
                 <a:spcPct val="0"/>
               </a:spcAft>
               <a:buClrTx/>
-              <a:buSzTx/>
               <a:buFontTx/>
               <a:buChar char="•"/>
-              <a:tabLst/>
             </a:pPr>
             <a:r>
-              <a:rPr kumimoji="0" lang="en-US" altLang="en-US" sz="1800" b="0" i="0" u="none" strike="noStrike" cap="none" normalizeH="0" baseline="0" dirty="0">
+              <a:rPr kumimoji="0" lang="en-US" altLang="en-US" sz="1600" b="0" i="0" u="none" strike="noStrike" cap="none" normalizeH="0" baseline="0" dirty="0">
                 <a:ln>
                   <a:noFill/>
                 </a:ln>
@@ -7467,14 +7793,15 @@
                 </a:solidFill>
                 <a:effectLst/>
                 <a:latin typeface="Arial" panose="020B0604020202020204" pitchFamily="34" charset="0"/>
+                <a:cs typeface="Arial" panose="020B0604020202020204" pitchFamily="34" charset="0"/>
               </a:rPr>
               <a:t>A web-based banking system designed to ensure secure transactions and data management.</a:t>
             </a:r>
           </a:p>
           <a:p>
-            <a:pPr marL="0" marR="0" lvl="0" indent="0" algn="l" defTabSz="914400" rtl="0" eaLnBrk="0" fontAlgn="base" latinLnBrk="0" hangingPunct="0">
+            <a:pPr marL="279082" lvl="1" indent="0" eaLnBrk="0" fontAlgn="base" hangingPunct="0">
               <a:lnSpc>
-                <a:spcPct val="100000"/>
+                <a:spcPct val="150000"/>
               </a:lnSpc>
               <a:spcBef>
                 <a:spcPct val="0"/>
@@ -7483,13 +7810,11 @@
                 <a:spcPct val="0"/>
               </a:spcAft>
               <a:buClrTx/>
-              <a:buSzTx/>
               <a:buFontTx/>
               <a:buChar char="•"/>
-              <a:tabLst/>
             </a:pPr>
             <a:r>
-              <a:rPr kumimoji="0" lang="en-US" altLang="en-US" sz="1800" b="0" i="0" u="none" strike="noStrike" cap="none" normalizeH="0" baseline="0" dirty="0">
+              <a:rPr kumimoji="0" lang="en-US" altLang="en-US" sz="1600" b="0" i="0" u="none" strike="noStrike" cap="none" normalizeH="0" baseline="0" dirty="0">
                 <a:ln>
                   <a:noFill/>
                 </a:ln>
@@ -7498,14 +7823,15 @@
                 </a:solidFill>
                 <a:effectLst/>
                 <a:latin typeface="Arial" panose="020B0604020202020204" pitchFamily="34" charset="0"/>
+                <a:cs typeface="Arial" panose="020B0604020202020204" pitchFamily="34" charset="0"/>
               </a:rPr>
               <a:t>Integrates a Java-based backend with MySQL database and a modern React frontend.</a:t>
             </a:r>
           </a:p>
           <a:p>
-            <a:pPr marL="0" marR="0" lvl="0" indent="0" algn="l" defTabSz="914400" rtl="0" eaLnBrk="0" fontAlgn="base" latinLnBrk="0" hangingPunct="0">
+            <a:pPr marL="279082" lvl="1" indent="0" eaLnBrk="0" fontAlgn="base" hangingPunct="0">
               <a:lnSpc>
-                <a:spcPct val="100000"/>
+                <a:spcPct val="150000"/>
               </a:lnSpc>
               <a:spcBef>
                 <a:spcPct val="0"/>
@@ -7514,13 +7840,11 @@
                 <a:spcPct val="0"/>
               </a:spcAft>
               <a:buClrTx/>
-              <a:buSzTx/>
               <a:buFontTx/>
               <a:buChar char="•"/>
-              <a:tabLst/>
             </a:pPr>
             <a:r>
-              <a:rPr kumimoji="0" lang="en-US" altLang="en-US" sz="1800" b="0" i="0" u="none" strike="noStrike" cap="none" normalizeH="0" baseline="0" dirty="0">
+              <a:rPr kumimoji="0" lang="en-US" altLang="en-US" sz="1600" b="0" i="0" u="none" strike="noStrike" cap="none" normalizeH="0" baseline="0" dirty="0">
                 <a:ln>
                   <a:noFill/>
                 </a:ln>
@@ -7529,6 +7853,7 @@
                 </a:solidFill>
                 <a:effectLst/>
                 <a:latin typeface="Arial" panose="020B0604020202020204" pitchFamily="34" charset="0"/>
+                <a:cs typeface="Arial" panose="020B0604020202020204" pitchFamily="34" charset="0"/>
               </a:rPr>
               <a:t>Focuses on enhancing security, user authentication, and efficient transaction handling.</a:t>
             </a:r>
@@ -7536,7 +7861,7 @@
           <a:p>
             <a:pPr marL="0" marR="0" lvl="0" indent="0" algn="l" defTabSz="914400" rtl="0" eaLnBrk="0" fontAlgn="base" latinLnBrk="0" hangingPunct="0">
               <a:lnSpc>
-                <a:spcPct val="100000"/>
+                <a:spcPct val="150000"/>
               </a:lnSpc>
               <a:spcBef>
                 <a:spcPct val="0"/>
@@ -7546,9 +7871,33 @@
               </a:spcAft>
               <a:buClrTx/>
               <a:buSzTx/>
-              <a:buFontTx/>
-              <a:buChar char="•"/>
+              <a:buNone/>
               <a:tabLst/>
+            </a:pPr>
+            <a:endParaRPr kumimoji="0" lang="en-US" altLang="en-US" sz="1800" b="0" i="0" u="none" strike="noStrike" cap="none" normalizeH="0" baseline="0" dirty="0">
+              <a:ln>
+                <a:noFill/>
+              </a:ln>
+              <a:solidFill>
+                <a:schemeClr val="tx1"/>
+              </a:solidFill>
+              <a:effectLst/>
+              <a:latin typeface="Arial" panose="020B0604020202020204" pitchFamily="34" charset="0"/>
+              <a:cs typeface="Arial" panose="020B0604020202020204" pitchFamily="34" charset="0"/>
+            </a:endParaRPr>
+          </a:p>
+          <a:p>
+            <a:pPr eaLnBrk="0" fontAlgn="base" hangingPunct="0">
+              <a:lnSpc>
+                <a:spcPct val="150000"/>
+              </a:lnSpc>
+              <a:spcBef>
+                <a:spcPct val="0"/>
+              </a:spcBef>
+              <a:spcAft>
+                <a:spcPct val="0"/>
+              </a:spcAft>
+              <a:buClrTx/>
             </a:pPr>
             <a:r>
               <a:rPr kumimoji="0" lang="en-US" altLang="en-US" sz="1800" b="1" i="0" u="none" strike="noStrike" cap="none" normalizeH="0" baseline="0" dirty="0">
@@ -7560,6 +7909,7 @@
                 </a:solidFill>
                 <a:effectLst/>
                 <a:latin typeface="Arial" panose="020B0604020202020204" pitchFamily="34" charset="0"/>
+                <a:cs typeface="Arial" panose="020B0604020202020204" pitchFamily="34" charset="0"/>
               </a:rPr>
               <a:t>Key Objectives:</a:t>
             </a:r>
@@ -7572,12 +7922,13 @@
               </a:solidFill>
               <a:effectLst/>
               <a:latin typeface="Arial" panose="020B0604020202020204" pitchFamily="34" charset="0"/>
+              <a:cs typeface="Arial" panose="020B0604020202020204" pitchFamily="34" charset="0"/>
             </a:endParaRPr>
           </a:p>
           <a:p>
-            <a:pPr marL="0" marR="0" lvl="0" indent="0" algn="l" defTabSz="914400" rtl="0" eaLnBrk="0" fontAlgn="base" latinLnBrk="0" hangingPunct="0">
+            <a:pPr marL="279082" lvl="1" indent="0" eaLnBrk="0" fontAlgn="base" hangingPunct="0">
               <a:lnSpc>
-                <a:spcPct val="100000"/>
+                <a:spcPct val="150000"/>
               </a:lnSpc>
               <a:spcBef>
                 <a:spcPct val="0"/>
@@ -7586,13 +7937,11 @@
                 <a:spcPct val="0"/>
               </a:spcAft>
               <a:buClrTx/>
-              <a:buSzTx/>
               <a:buFontTx/>
               <a:buChar char="•"/>
-              <a:tabLst/>
             </a:pPr>
             <a:r>
-              <a:rPr kumimoji="0" lang="en-US" altLang="en-US" sz="1800" b="0" i="0" u="none" strike="noStrike" cap="none" normalizeH="0" baseline="0" dirty="0">
+              <a:rPr kumimoji="0" lang="en-US" altLang="en-US" sz="1600" b="0" i="0" u="none" strike="noStrike" cap="none" normalizeH="0" baseline="0" dirty="0">
                 <a:ln>
                   <a:noFill/>
                 </a:ln>
@@ -7601,14 +7950,15 @@
                 </a:solidFill>
                 <a:effectLst/>
                 <a:latin typeface="Arial" panose="020B0604020202020204" pitchFamily="34" charset="0"/>
+                <a:cs typeface="Arial" panose="020B0604020202020204" pitchFamily="34" charset="0"/>
               </a:rPr>
               <a:t>Improve system security using robust login, encryption, and access controls.</a:t>
             </a:r>
           </a:p>
           <a:p>
-            <a:pPr marL="0" marR="0" lvl="0" indent="0" algn="l" defTabSz="914400" rtl="0" eaLnBrk="0" fontAlgn="base" latinLnBrk="0" hangingPunct="0">
+            <a:pPr marL="279082" lvl="1" indent="0" eaLnBrk="0" fontAlgn="base" hangingPunct="0">
               <a:lnSpc>
-                <a:spcPct val="100000"/>
+                <a:spcPct val="150000"/>
               </a:lnSpc>
               <a:spcBef>
                 <a:spcPct val="0"/>
@@ -7617,13 +7967,11 @@
                 <a:spcPct val="0"/>
               </a:spcAft>
               <a:buClrTx/>
-              <a:buSzTx/>
               <a:buFontTx/>
               <a:buChar char="•"/>
-              <a:tabLst/>
             </a:pPr>
             <a:r>
-              <a:rPr kumimoji="0" lang="en-US" altLang="en-US" sz="1800" b="0" i="0" u="none" strike="noStrike" cap="none" normalizeH="0" baseline="0" dirty="0">
+              <a:rPr kumimoji="0" lang="en-US" altLang="en-US" sz="1600" b="0" i="0" u="none" strike="noStrike" cap="none" normalizeH="0" baseline="0" dirty="0">
                 <a:ln>
                   <a:noFill/>
                 </a:ln>
@@ -7632,14 +7980,15 @@
                 </a:solidFill>
                 <a:effectLst/>
                 <a:latin typeface="Arial" panose="020B0604020202020204" pitchFamily="34" charset="0"/>
+                <a:cs typeface="Arial" panose="020B0604020202020204" pitchFamily="34" charset="0"/>
               </a:rPr>
               <a:t>Provide a user-friendly interface for customers, bank employees, and managers.</a:t>
             </a:r>
           </a:p>
           <a:p>
-            <a:pPr marL="0" marR="0" lvl="0" indent="0" algn="l" defTabSz="914400" rtl="0" eaLnBrk="0" fontAlgn="base" latinLnBrk="0" hangingPunct="0">
+            <a:pPr marL="279082" lvl="1" indent="0" eaLnBrk="0" fontAlgn="base" hangingPunct="0">
               <a:lnSpc>
-                <a:spcPct val="100000"/>
+                <a:spcPct val="150000"/>
               </a:lnSpc>
               <a:spcBef>
                 <a:spcPct val="0"/>
@@ -7648,13 +7997,11 @@
                 <a:spcPct val="0"/>
               </a:spcAft>
               <a:buClrTx/>
-              <a:buSzTx/>
               <a:buFontTx/>
               <a:buChar char="•"/>
-              <a:tabLst/>
             </a:pPr>
             <a:r>
-              <a:rPr kumimoji="0" lang="en-US" altLang="en-US" sz="1800" b="0" i="0" u="none" strike="noStrike" cap="none" normalizeH="0" baseline="0" dirty="0">
+              <a:rPr kumimoji="0" lang="en-US" altLang="en-US" sz="1600" b="0" i="0" u="none" strike="noStrike" cap="none" normalizeH="0" baseline="0" dirty="0">
                 <a:ln>
                   <a:noFill/>
                 </a:ln>
@@ -7663,6 +8010,7 @@
                 </a:solidFill>
                 <a:effectLst/>
                 <a:latin typeface="Arial" panose="020B0604020202020204" pitchFamily="34" charset="0"/>
+                <a:cs typeface="Arial" panose="020B0604020202020204" pitchFamily="34" charset="0"/>
               </a:rPr>
               <a:t>Transition from a terminal-based system to a scalable web-based solution.</a:t>
             </a:r>
@@ -7693,6 +8041,7 @@
               </a:solidFill>
               <a:effectLst/>
               <a:latin typeface="Arial" panose="020B0604020202020204" pitchFamily="34" charset="0"/>
+              <a:cs typeface="Arial" panose="020B0604020202020204" pitchFamily="34" charset="0"/>
             </a:endParaRPr>
           </a:p>
         </p:txBody>
@@ -7772,16 +8121,16 @@
               </a:spcBef>
             </a:pPr>
             <a:r>
-              <a:rPr lang="en-US" b="1">
+              <a:rPr lang="en-US" b="1" dirty="0">
                 <a:latin typeface="Arial"/>
                 <a:cs typeface="Arial"/>
               </a:rPr>
               <a:t>Literature Survey/Existing System</a:t>
             </a:r>
-            <a:endParaRPr lang="en-US"/>
-          </a:p>
-          <a:p>
-            <a:endParaRPr lang="en-US"/>
+            <a:endParaRPr lang="en-US" dirty="0"/>
+          </a:p>
+          <a:p>
+            <a:endParaRPr lang="en-US" dirty="0"/>
           </a:p>
         </p:txBody>
       </p:sp>
@@ -7818,10 +8167,16 @@
               <a:buChar char="•"/>
             </a:pPr>
             <a:r>
-              <a:rPr lang="en-IN" b="1" dirty="0"/>
+              <a:rPr lang="en-IN" b="1" dirty="0">
+                <a:latin typeface="Arial" panose="020B0604020202020204" pitchFamily="34" charset="0"/>
+                <a:cs typeface="Arial" panose="020B0604020202020204" pitchFamily="34" charset="0"/>
+              </a:rPr>
               <a:t>Existing Systems:</a:t>
             </a:r>
-            <a:endParaRPr lang="en-IN" dirty="0"/>
+            <a:endParaRPr lang="en-IN" dirty="0">
+              <a:latin typeface="Arial" panose="020B0604020202020204" pitchFamily="34" charset="0"/>
+              <a:cs typeface="Arial" panose="020B0604020202020204" pitchFamily="34" charset="0"/>
+            </a:endParaRPr>
           </a:p>
           <a:p>
             <a:pPr marL="742950" lvl="1" indent="-285750">
@@ -7829,7 +8184,10 @@
               <a:buChar char="•"/>
             </a:pPr>
             <a:r>
-              <a:rPr lang="en-IN" dirty="0"/>
+              <a:rPr lang="en-IN" dirty="0">
+                <a:latin typeface="Arial" panose="020B0604020202020204" pitchFamily="34" charset="0"/>
+                <a:cs typeface="Arial" panose="020B0604020202020204" pitchFamily="34" charset="0"/>
+              </a:rPr>
               <a:t>Traditional bank management systems often use legacy technologies (e.g., terminal-based interfaces, older Java or JSP frameworks).</a:t>
             </a:r>
           </a:p>
@@ -7839,7 +8197,10 @@
               <a:buChar char="•"/>
             </a:pPr>
             <a:r>
-              <a:rPr lang="en-IN" dirty="0"/>
+              <a:rPr lang="en-IN" dirty="0">
+                <a:latin typeface="Arial" panose="020B0604020202020204" pitchFamily="34" charset="0"/>
+                <a:cs typeface="Arial" panose="020B0604020202020204" pitchFamily="34" charset="0"/>
+              </a:rPr>
               <a:t>Many legacy systems have security vulnerabilities, limited scalability, and poor user interfaces.</a:t>
             </a:r>
           </a:p>
@@ -7849,10 +8210,16 @@
               <a:buChar char="•"/>
             </a:pPr>
             <a:r>
-              <a:rPr lang="en-IN" b="1" dirty="0"/>
+              <a:rPr lang="en-IN" b="1" dirty="0">
+                <a:latin typeface="Arial" panose="020B0604020202020204" pitchFamily="34" charset="0"/>
+                <a:cs typeface="Arial" panose="020B0604020202020204" pitchFamily="34" charset="0"/>
+              </a:rPr>
               <a:t>Literature Findings:</a:t>
             </a:r>
-            <a:endParaRPr lang="en-IN" dirty="0"/>
+            <a:endParaRPr lang="en-IN" dirty="0">
+              <a:latin typeface="Arial" panose="020B0604020202020204" pitchFamily="34" charset="0"/>
+              <a:cs typeface="Arial" panose="020B0604020202020204" pitchFamily="34" charset="0"/>
+            </a:endParaRPr>
           </a:p>
           <a:p>
             <a:pPr marL="742950" lvl="1" indent="-285750">
@@ -7860,7 +8227,10 @@
               <a:buChar char="•"/>
             </a:pPr>
             <a:r>
-              <a:rPr lang="en-IN" dirty="0"/>
+              <a:rPr lang="en-IN" dirty="0">
+                <a:latin typeface="Arial" panose="020B0604020202020204" pitchFamily="34" charset="0"/>
+                <a:cs typeface="Arial" panose="020B0604020202020204" pitchFamily="34" charset="0"/>
+              </a:rPr>
               <a:t>Research emphasizes the need for secure user authentication, data encryption, and robust security frameworks.</a:t>
             </a:r>
           </a:p>
@@ -7870,7 +8240,10 @@
               <a:buChar char="•"/>
             </a:pPr>
             <a:r>
-              <a:rPr lang="en-IN" dirty="0"/>
+              <a:rPr lang="en-IN" dirty="0">
+                <a:latin typeface="Arial" panose="020B0604020202020204" pitchFamily="34" charset="0"/>
+                <a:cs typeface="Arial" panose="020B0604020202020204" pitchFamily="34" charset="0"/>
+              </a:rPr>
               <a:t>Studies show modern web interfaces (e.g., using React) can significantly improve user experience.</a:t>
             </a:r>
           </a:p>
@@ -7880,10 +8253,16 @@
               <a:buChar char="•"/>
             </a:pPr>
             <a:r>
-              <a:rPr lang="en-IN" b="1" dirty="0"/>
+              <a:rPr lang="en-IN" b="1" dirty="0">
+                <a:latin typeface="Arial" panose="020B0604020202020204" pitchFamily="34" charset="0"/>
+                <a:cs typeface="Arial" panose="020B0604020202020204" pitchFamily="34" charset="0"/>
+              </a:rPr>
               <a:t>Comparative Analysis:</a:t>
             </a:r>
-            <a:endParaRPr lang="en-IN" dirty="0"/>
+            <a:endParaRPr lang="en-IN" dirty="0">
+              <a:latin typeface="Arial" panose="020B0604020202020204" pitchFamily="34" charset="0"/>
+              <a:cs typeface="Arial" panose="020B0604020202020204" pitchFamily="34" charset="0"/>
+            </a:endParaRPr>
           </a:p>
           <a:p>
             <a:pPr marL="742950" lvl="1" indent="-285750">
@@ -7891,7 +8270,10 @@
               <a:buChar char="•"/>
             </a:pPr>
             <a:r>
-              <a:rPr lang="en-IN" dirty="0"/>
+              <a:rPr lang="en-IN" dirty="0">
+                <a:latin typeface="Arial" panose="020B0604020202020204" pitchFamily="34" charset="0"/>
+                <a:cs typeface="Arial" panose="020B0604020202020204" pitchFamily="34" charset="0"/>
+              </a:rPr>
               <a:t>Legacy systems vs. modern web-based systems:</a:t>
             </a:r>
           </a:p>
@@ -7901,11 +8283,17 @@
               <a:buChar char="•"/>
             </a:pPr>
             <a:r>
-              <a:rPr lang="en-IN" b="1" dirty="0"/>
+              <a:rPr lang="en-IN" b="1" dirty="0">
+                <a:latin typeface="Arial" panose="020B0604020202020204" pitchFamily="34" charset="0"/>
+                <a:cs typeface="Arial" panose="020B0604020202020204" pitchFamily="34" charset="0"/>
+              </a:rPr>
               <a:t>Legacy:</a:t>
             </a:r>
             <a:r>
-              <a:rPr lang="en-IN" dirty="0"/>
+              <a:rPr lang="en-IN" dirty="0">
+                <a:latin typeface="Arial" panose="020B0604020202020204" pitchFamily="34" charset="0"/>
+                <a:cs typeface="Arial" panose="020B0604020202020204" pitchFamily="34" charset="0"/>
+              </a:rPr>
               <a:t> Limited interactivity, higher maintenance, security risks.</a:t>
             </a:r>
           </a:p>
@@ -7915,11 +8303,17 @@
               <a:buChar char="•"/>
             </a:pPr>
             <a:r>
-              <a:rPr lang="en-IN" b="1" dirty="0"/>
+              <a:rPr lang="en-IN" b="1" dirty="0">
+                <a:latin typeface="Arial" panose="020B0604020202020204" pitchFamily="34" charset="0"/>
+                <a:cs typeface="Arial" panose="020B0604020202020204" pitchFamily="34" charset="0"/>
+              </a:rPr>
               <a:t>Modern:</a:t>
             </a:r>
             <a:r>
-              <a:rPr lang="en-IN" dirty="0"/>
+              <a:rPr lang="en-IN" dirty="0">
+                <a:latin typeface="Arial" panose="020B0604020202020204" pitchFamily="34" charset="0"/>
+                <a:cs typeface="Arial" panose="020B0604020202020204" pitchFamily="34" charset="0"/>
+              </a:rPr>
               <a:t> Enhanced security, user-friendly, scalable architecture.</a:t>
             </a:r>
           </a:p>
@@ -7928,8 +8322,8 @@
               <a:buNone/>
             </a:pPr>
             <a:endParaRPr lang="en-US" b="1" dirty="0">
-              <a:latin typeface="Arial"/>
-              <a:cs typeface="Arial"/>
+              <a:latin typeface="Arial" panose="020B0604020202020204" pitchFamily="34" charset="0"/>
+              <a:cs typeface="Arial" panose="020B0604020202020204" pitchFamily="34" charset="0"/>
             </a:endParaRPr>
           </a:p>
         </p:txBody>
@@ -8088,6 +8482,10 @@
           </p:nvPr>
         </p:nvSpPr>
         <p:spPr bwMode="auto">
+          <a:xfrm>
+            <a:off x="772160" y="1457964"/>
+            <a:ext cx="10789920" cy="4201150"/>
+          </a:xfrm>
           <a:prstGeom prst="rect">
             <a:avLst/>
           </a:prstGeom>
@@ -8126,7 +8524,7 @@
           </a:extLst>
         </p:spPr>
         <p:txBody>
-          <a:bodyPr vert="horz" wrap="none" lIns="91440" tIns="45720" rIns="91440" bIns="45720" numCol="1" anchor="ctr" anchorCtr="0" compatLnSpc="1">
+          <a:bodyPr vert="horz" wrap="square" lIns="91440" tIns="45720" rIns="91440" bIns="45720" numCol="1" anchor="ctr" anchorCtr="0" compatLnSpc="1">
             <a:prstTxWarp prst="textNoShape">
               <a:avLst/>
             </a:prstTxWarp>
@@ -8136,7 +8534,7 @@
           <a:p>
             <a:pPr marL="0" marR="0" lvl="0" indent="0" algn="l" defTabSz="914400" rtl="0" eaLnBrk="0" fontAlgn="base" latinLnBrk="0" hangingPunct="0">
               <a:lnSpc>
-                <a:spcPct val="100000"/>
+                <a:spcPct val="150000"/>
               </a:lnSpc>
               <a:spcBef>
                 <a:spcPct val="0"/>
@@ -8151,7 +8549,7 @@
               <a:tabLst/>
             </a:pPr>
             <a:r>
-              <a:rPr kumimoji="0" lang="en-US" altLang="en-US" sz="1800" b="1" i="0" u="none" strike="noStrike" cap="none" normalizeH="0" baseline="0">
+              <a:rPr kumimoji="0" lang="en-US" altLang="en-US" sz="1800" b="1" i="0" u="none" strike="noStrike" cap="none" normalizeH="0" baseline="0" dirty="0">
                 <a:ln>
                   <a:noFill/>
                 </a:ln>
@@ -8163,7 +8561,7 @@
               </a:rPr>
               <a:t>Challenges in Existing Systems:</a:t>
             </a:r>
-            <a:endParaRPr kumimoji="0" lang="en-US" altLang="en-US" sz="1800" b="0" i="0" u="none" strike="noStrike" cap="none" normalizeH="0" baseline="0">
+            <a:endParaRPr kumimoji="0" lang="en-US" altLang="en-US" sz="1800" b="0" i="0" u="none" strike="noStrike" cap="none" normalizeH="0" baseline="0" dirty="0">
               <a:ln>
                 <a:noFill/>
               </a:ln>
@@ -8175,9 +8573,9 @@
             </a:endParaRPr>
           </a:p>
           <a:p>
-            <a:pPr marL="0" marR="0" lvl="0" indent="0" algn="l" defTabSz="914400" rtl="0" eaLnBrk="0" fontAlgn="base" latinLnBrk="0" hangingPunct="0">
+            <a:pPr marL="279082" lvl="1" indent="0" eaLnBrk="0" fontAlgn="base" hangingPunct="0">
               <a:lnSpc>
-                <a:spcPct val="100000"/>
+                <a:spcPct val="150000"/>
               </a:lnSpc>
               <a:spcBef>
                 <a:spcPct val="0"/>
@@ -8186,13 +8584,11 @@
                 <a:spcPct val="0"/>
               </a:spcAft>
               <a:buClrTx/>
-              <a:buSzTx/>
               <a:buFontTx/>
               <a:buChar char="•"/>
-              <a:tabLst/>
             </a:pPr>
             <a:r>
-              <a:rPr kumimoji="0" lang="en-US" altLang="en-US" sz="1800" b="0" i="0" u="none" strike="noStrike" cap="none" normalizeH="0" baseline="0">
+              <a:rPr kumimoji="0" lang="en-US" altLang="en-US" sz="1600" b="0" i="0" u="none" strike="noStrike" cap="none" normalizeH="0" baseline="0" dirty="0">
                 <a:ln>
                   <a:noFill/>
                 </a:ln>
@@ -8206,9 +8602,9 @@
             </a:r>
           </a:p>
           <a:p>
-            <a:pPr marL="0" marR="0" lvl="0" indent="0" algn="l" defTabSz="914400" rtl="0" eaLnBrk="0" fontAlgn="base" latinLnBrk="0" hangingPunct="0">
+            <a:pPr marL="279082" lvl="1" indent="0" eaLnBrk="0" fontAlgn="base" hangingPunct="0">
               <a:lnSpc>
-                <a:spcPct val="100000"/>
+                <a:spcPct val="150000"/>
               </a:lnSpc>
               <a:spcBef>
                 <a:spcPct val="0"/>
@@ -8217,13 +8613,11 @@
                 <a:spcPct val="0"/>
               </a:spcAft>
               <a:buClrTx/>
-              <a:buSzTx/>
               <a:buFontTx/>
               <a:buChar char="•"/>
-              <a:tabLst/>
             </a:pPr>
             <a:r>
-              <a:rPr kumimoji="0" lang="en-US" altLang="en-US" sz="1800" b="0" i="0" u="none" strike="noStrike" cap="none" normalizeH="0" baseline="0">
+              <a:rPr kumimoji="0" lang="en-US" altLang="en-US" sz="1600" b="0" i="0" u="none" strike="noStrike" cap="none" normalizeH="0" baseline="0" dirty="0">
                 <a:ln>
                   <a:noFill/>
                 </a:ln>
@@ -8237,9 +8631,9 @@
             </a:r>
           </a:p>
           <a:p>
-            <a:pPr marL="0" marR="0" lvl="0" indent="0" algn="l" defTabSz="914400" rtl="0" eaLnBrk="0" fontAlgn="base" latinLnBrk="0" hangingPunct="0">
+            <a:pPr marL="279082" lvl="1" indent="0" eaLnBrk="0" fontAlgn="base" hangingPunct="0">
               <a:lnSpc>
-                <a:spcPct val="100000"/>
+                <a:spcPct val="150000"/>
               </a:lnSpc>
               <a:spcBef>
                 <a:spcPct val="0"/>
@@ -8248,13 +8642,11 @@
                 <a:spcPct val="0"/>
               </a:spcAft>
               <a:buClrTx/>
-              <a:buSzTx/>
               <a:buFontTx/>
               <a:buChar char="•"/>
-              <a:tabLst/>
             </a:pPr>
             <a:r>
-              <a:rPr kumimoji="0" lang="en-US" altLang="en-US" sz="1800" b="0" i="0" u="none" strike="noStrike" cap="none" normalizeH="0" baseline="0">
+              <a:rPr kumimoji="0" lang="en-US" altLang="en-US" sz="1600" b="0" i="0" u="none" strike="noStrike" cap="none" normalizeH="0" baseline="0" dirty="0">
                 <a:ln>
                   <a:noFill/>
                 </a:ln>
@@ -8270,7 +8662,7 @@
           <a:p>
             <a:pPr marL="0" marR="0" lvl="0" indent="0" algn="l" defTabSz="914400" rtl="0" eaLnBrk="0" fontAlgn="base" latinLnBrk="0" hangingPunct="0">
               <a:lnSpc>
-                <a:spcPct val="100000"/>
+                <a:spcPct val="150000"/>
               </a:lnSpc>
               <a:spcBef>
                 <a:spcPct val="0"/>
@@ -8285,7 +8677,7 @@
               <a:tabLst/>
             </a:pPr>
             <a:r>
-              <a:rPr kumimoji="0" lang="en-US" altLang="en-US" sz="1800" b="1" i="0" u="none" strike="noStrike" cap="none" normalizeH="0" baseline="0">
+              <a:rPr kumimoji="0" lang="en-US" altLang="en-US" sz="1800" b="1" i="0" u="none" strike="noStrike" cap="none" normalizeH="0" baseline="0" dirty="0">
                 <a:ln>
                   <a:noFill/>
                 </a:ln>
@@ -8297,7 +8689,7 @@
               </a:rPr>
               <a:t>Specific Issues:</a:t>
             </a:r>
-            <a:endParaRPr kumimoji="0" lang="en-US" altLang="en-US" sz="1800" b="0" i="0" u="none" strike="noStrike" cap="none" normalizeH="0" baseline="0">
+            <a:endParaRPr kumimoji="0" lang="en-US" altLang="en-US" sz="1800" b="0" i="0" u="none" strike="noStrike" cap="none" normalizeH="0" baseline="0" dirty="0">
               <a:ln>
                 <a:noFill/>
               </a:ln>
@@ -8309,9 +8701,9 @@
             </a:endParaRPr>
           </a:p>
           <a:p>
-            <a:pPr marL="0" marR="0" lvl="0" indent="0" algn="l" defTabSz="914400" rtl="0" eaLnBrk="0" fontAlgn="base" latinLnBrk="0" hangingPunct="0">
+            <a:pPr marL="279082" lvl="1" indent="0" eaLnBrk="0" fontAlgn="base" hangingPunct="0">
               <a:lnSpc>
-                <a:spcPct val="100000"/>
+                <a:spcPct val="150000"/>
               </a:lnSpc>
               <a:spcBef>
                 <a:spcPct val="0"/>
@@ -8320,13 +8712,11 @@
                 <a:spcPct val="0"/>
               </a:spcAft>
               <a:buClrTx/>
-              <a:buSzTx/>
               <a:buFontTx/>
               <a:buChar char="•"/>
-              <a:tabLst/>
             </a:pPr>
             <a:r>
-              <a:rPr kumimoji="0" lang="en-US" altLang="en-US" sz="1800" b="0" i="0" u="none" strike="noStrike" cap="none" normalizeH="0" baseline="0">
+              <a:rPr kumimoji="0" lang="en-US" altLang="en-US" sz="1600" b="0" i="0" u="none" strike="noStrike" cap="none" normalizeH="0" baseline="0" dirty="0">
                 <a:ln>
                   <a:noFill/>
                 </a:ln>
@@ -8340,9 +8730,9 @@
             </a:r>
           </a:p>
           <a:p>
-            <a:pPr marL="0" marR="0" lvl="0" indent="0" algn="l" defTabSz="914400" rtl="0" eaLnBrk="0" fontAlgn="base" latinLnBrk="0" hangingPunct="0">
+            <a:pPr marL="279082" lvl="1" indent="0" eaLnBrk="0" fontAlgn="base" hangingPunct="0">
               <a:lnSpc>
-                <a:spcPct val="100000"/>
+                <a:spcPct val="150000"/>
               </a:lnSpc>
               <a:spcBef>
                 <a:spcPct val="0"/>
@@ -8351,13 +8741,11 @@
                 <a:spcPct val="0"/>
               </a:spcAft>
               <a:buClrTx/>
-              <a:buSzTx/>
               <a:buFontTx/>
               <a:buChar char="•"/>
-              <a:tabLst/>
             </a:pPr>
             <a:r>
-              <a:rPr kumimoji="0" lang="en-US" altLang="en-US" sz="1800" b="0" i="0" u="none" strike="noStrike" cap="none" normalizeH="0" baseline="0">
+              <a:rPr kumimoji="0" lang="en-US" altLang="en-US" sz="1600" b="0" i="0" u="none" strike="noStrike" cap="none" normalizeH="0" baseline="0" dirty="0">
                 <a:ln>
                   <a:noFill/>
                 </a:ln>
@@ -8371,9 +8759,9 @@
             </a:r>
           </a:p>
           <a:p>
-            <a:pPr marL="0" marR="0" lvl="0" indent="0" algn="l" defTabSz="914400" rtl="0" eaLnBrk="0" fontAlgn="base" latinLnBrk="0" hangingPunct="0">
+            <a:pPr marL="279082" lvl="1" indent="0" eaLnBrk="0" fontAlgn="base" hangingPunct="0">
               <a:lnSpc>
-                <a:spcPct val="100000"/>
+                <a:spcPct val="150000"/>
               </a:lnSpc>
               <a:spcBef>
                 <a:spcPct val="0"/>
@@ -8382,13 +8770,11 @@
                 <a:spcPct val="0"/>
               </a:spcAft>
               <a:buClrTx/>
-              <a:buSzTx/>
               <a:buFontTx/>
               <a:buChar char="•"/>
-              <a:tabLst/>
             </a:pPr>
             <a:r>
-              <a:rPr kumimoji="0" lang="en-US" altLang="en-US" sz="1800" b="0" i="0" u="none" strike="noStrike" cap="none" normalizeH="0" baseline="0">
+              <a:rPr kumimoji="0" lang="en-US" altLang="en-US" sz="1600" b="0" i="0" u="none" strike="noStrike" cap="none" normalizeH="0" baseline="0" dirty="0">
                 <a:ln>
                   <a:noFill/>
                 </a:ln>
@@ -8404,7 +8790,7 @@
           <a:p>
             <a:pPr marL="0" marR="0" lvl="0" indent="0" algn="l" defTabSz="914400" rtl="0" eaLnBrk="0" fontAlgn="base" latinLnBrk="0" hangingPunct="0">
               <a:lnSpc>
-                <a:spcPct val="100000"/>
+                <a:spcPct val="150000"/>
               </a:lnSpc>
               <a:spcBef>
                 <a:spcPct val="0"/>
@@ -8419,7 +8805,7 @@
               <a:tabLst/>
             </a:pPr>
             <a:r>
-              <a:rPr kumimoji="0" lang="en-US" altLang="en-US" sz="1800" b="1" i="0" u="none" strike="noStrike" cap="none" normalizeH="0" baseline="0">
+              <a:rPr kumimoji="0" lang="en-US" altLang="en-US" sz="1800" b="1" i="0" u="none" strike="noStrike" cap="none" normalizeH="0" baseline="0" dirty="0">
                 <a:ln>
                   <a:noFill/>
                 </a:ln>
@@ -8431,7 +8817,7 @@
               </a:rPr>
               <a:t>Aim of Our Project:</a:t>
             </a:r>
-            <a:endParaRPr kumimoji="0" lang="en-US" altLang="en-US" sz="1800" b="0" i="0" u="none" strike="noStrike" cap="none" normalizeH="0" baseline="0">
+            <a:endParaRPr kumimoji="0" lang="en-US" altLang="en-US" sz="1800" b="0" i="0" u="none" strike="noStrike" cap="none" normalizeH="0" baseline="0" dirty="0">
               <a:ln>
                 <a:noFill/>
               </a:ln>
@@ -8443,9 +8829,9 @@
             </a:endParaRPr>
           </a:p>
           <a:p>
-            <a:pPr marL="0" marR="0" lvl="0" indent="0" algn="l" defTabSz="914400" rtl="0" eaLnBrk="0" fontAlgn="base" latinLnBrk="0" hangingPunct="0">
+            <a:pPr marL="279082" lvl="1" indent="0" eaLnBrk="0" fontAlgn="base" hangingPunct="0">
               <a:lnSpc>
-                <a:spcPct val="100000"/>
+                <a:spcPct val="150000"/>
               </a:lnSpc>
               <a:spcBef>
                 <a:spcPct val="0"/>
@@ -8454,13 +8840,11 @@
                 <a:spcPct val="0"/>
               </a:spcAft>
               <a:buClrTx/>
-              <a:buSzTx/>
               <a:buFontTx/>
               <a:buChar char="•"/>
-              <a:tabLst/>
             </a:pPr>
             <a:r>
-              <a:rPr kumimoji="0" lang="en-US" altLang="en-US" sz="1800" b="0" i="0" u="none" strike="noStrike" cap="none" normalizeH="0" baseline="0">
+              <a:rPr kumimoji="0" lang="en-US" altLang="en-US" sz="1600" b="0" i="0" u="none" strike="noStrike" cap="none" normalizeH="0" baseline="0" dirty="0">
                 <a:ln>
                   <a:noFill/>
                 </a:ln>
@@ -8490,7 +8874,7 @@
               <a:buNone/>
               <a:tabLst/>
             </a:pPr>
-            <a:endParaRPr kumimoji="0" lang="en-US" altLang="en-US" sz="1800" b="0" i="0" u="none" strike="noStrike" cap="none" normalizeH="0" baseline="0">
+            <a:endParaRPr kumimoji="0" lang="en-US" altLang="en-US" sz="1800" b="0" i="0" u="none" strike="noStrike" cap="none" normalizeH="0" baseline="0" dirty="0">
               <a:ln>
                 <a:noFill/>
               </a:ln>
@@ -8636,8 +9020,8 @@
         </p:nvSpPr>
         <p:spPr bwMode="auto">
           <a:xfrm>
-            <a:off x="1522413" y="1114425"/>
-            <a:ext cx="9601200" cy="5589588"/>
+            <a:off x="833120" y="973851"/>
+            <a:ext cx="11598049" cy="5539978"/>
           </a:xfrm>
           <a:prstGeom prst="rect">
             <a:avLst/>
@@ -8677,7 +9061,7 @@
           </a:extLst>
         </p:spPr>
         <p:txBody>
-          <a:bodyPr vert="horz" wrap="none" lIns="91440" tIns="45720" rIns="91440" bIns="45720" numCol="1" anchor="ctr" anchorCtr="0" compatLnSpc="1">
+          <a:bodyPr vert="horz" wrap="square" lIns="91440" tIns="45720" rIns="91440" bIns="45720" numCol="1" anchor="ctr" anchorCtr="0" compatLnSpc="1">
             <a:prstTxWarp prst="textNoShape">
               <a:avLst/>
             </a:prstTxWarp>
@@ -8687,7 +9071,7 @@
           <a:p>
             <a:pPr marL="0" marR="0" lvl="0" indent="0" algn="l" defTabSz="914400" rtl="0" eaLnBrk="0" fontAlgn="base" latinLnBrk="0" hangingPunct="0">
               <a:lnSpc>
-                <a:spcPct val="100000"/>
+                <a:spcPct val="150000"/>
               </a:lnSpc>
               <a:spcBef>
                 <a:spcPct val="0"/>
@@ -8702,7 +9086,7 @@
               <a:tabLst/>
             </a:pPr>
             <a:r>
-              <a:rPr kumimoji="0" lang="en-US" altLang="en-US" sz="1800" b="1" i="0" u="none" strike="noStrike" cap="none" normalizeH="0" baseline="0">
+              <a:rPr kumimoji="0" lang="en-US" altLang="en-US" sz="1600" b="1" i="0" u="none" strike="noStrike" cap="none" normalizeH="0" baseline="0" dirty="0">
                 <a:ln>
                   <a:noFill/>
                 </a:ln>
@@ -8714,7 +9098,7 @@
               </a:rPr>
               <a:t>System Architecture:</a:t>
             </a:r>
-            <a:endParaRPr kumimoji="0" lang="en-US" altLang="en-US" sz="1800" b="0" i="0" u="none" strike="noStrike" cap="none" normalizeH="0" baseline="0">
+            <a:endParaRPr kumimoji="0" lang="en-US" altLang="en-US" sz="1600" b="0" i="0" u="none" strike="noStrike" cap="none" normalizeH="0" baseline="0" dirty="0">
               <a:ln>
                 <a:noFill/>
               </a:ln>
@@ -8726,9 +9110,9 @@
             </a:endParaRPr>
           </a:p>
           <a:p>
-            <a:pPr marL="0" marR="0" lvl="0" indent="0" algn="l" defTabSz="914400" rtl="0" eaLnBrk="0" fontAlgn="base" latinLnBrk="0" hangingPunct="0">
+            <a:pPr marL="621982" lvl="1" indent="-342900" eaLnBrk="0" fontAlgn="base" hangingPunct="0">
               <a:lnSpc>
-                <a:spcPct val="100000"/>
+                <a:spcPct val="150000"/>
               </a:lnSpc>
               <a:spcBef>
                 <a:spcPct val="0"/>
@@ -8737,13 +9121,11 @@
                 <a:spcPct val="0"/>
               </a:spcAft>
               <a:buClrTx/>
-              <a:buSzTx/>
-              <a:buFontTx/>
-              <a:buChar char="•"/>
-              <a:tabLst/>
+              <a:buFont typeface="+mj-lt"/>
+              <a:buAutoNum type="arabicPeriod"/>
             </a:pPr>
             <a:r>
-              <a:rPr kumimoji="0" lang="en-US" altLang="en-US" sz="1800" b="1" i="0" u="none" strike="noStrike" cap="none" normalizeH="0" baseline="0">
+              <a:rPr kumimoji="0" lang="en-US" altLang="en-US" sz="1600" b="1" i="0" u="none" strike="noStrike" cap="none" normalizeH="0" baseline="0" dirty="0">
                 <a:ln>
                   <a:noFill/>
                 </a:ln>
@@ -8756,7 +9138,7 @@
               <a:t>Backend:</a:t>
             </a:r>
             <a:r>
-              <a:rPr kumimoji="0" lang="en-US" altLang="en-US" sz="1800" b="0" i="0" u="none" strike="noStrike" cap="none" normalizeH="0" baseline="0">
+              <a:rPr kumimoji="0" lang="en-US" altLang="en-US" sz="1600" b="0" i="0" u="none" strike="noStrike" cap="none" normalizeH="0" baseline="0" dirty="0">
                 <a:ln>
                   <a:noFill/>
                 </a:ln>
@@ -8770,9 +9152,9 @@
             </a:r>
           </a:p>
           <a:p>
-            <a:pPr marL="0" marR="0" lvl="0" indent="0" algn="l" defTabSz="914400" rtl="0" eaLnBrk="0" fontAlgn="base" latinLnBrk="0" hangingPunct="0">
+            <a:pPr marL="621982" lvl="1" indent="-342900" eaLnBrk="0" fontAlgn="base" hangingPunct="0">
               <a:lnSpc>
-                <a:spcPct val="100000"/>
+                <a:spcPct val="150000"/>
               </a:lnSpc>
               <a:spcBef>
                 <a:spcPct val="0"/>
@@ -8781,13 +9163,11 @@
                 <a:spcPct val="0"/>
               </a:spcAft>
               <a:buClrTx/>
-              <a:buSzTx/>
-              <a:buFontTx/>
-              <a:buChar char="•"/>
-              <a:tabLst/>
+              <a:buFont typeface="+mj-lt"/>
+              <a:buAutoNum type="arabicPeriod"/>
             </a:pPr>
             <a:r>
-              <a:rPr kumimoji="0" lang="en-US" altLang="en-US" sz="1800" b="1" i="0" u="none" strike="noStrike" cap="none" normalizeH="0" baseline="0">
+              <a:rPr kumimoji="0" lang="en-US" altLang="en-US" sz="1600" b="1" i="0" u="none" strike="noStrike" cap="none" normalizeH="0" baseline="0" dirty="0">
                 <a:ln>
                   <a:noFill/>
                 </a:ln>
@@ -8800,7 +9180,7 @@
               <a:t>Frontend:</a:t>
             </a:r>
             <a:r>
-              <a:rPr kumimoji="0" lang="en-US" altLang="en-US" sz="1800" b="0" i="0" u="none" strike="noStrike" cap="none" normalizeH="0" baseline="0">
+              <a:rPr kumimoji="0" lang="en-US" altLang="en-US" sz="1600" b="0" i="0" u="none" strike="noStrike" cap="none" normalizeH="0" baseline="0" dirty="0">
                 <a:ln>
                   <a:noFill/>
                 </a:ln>
@@ -8814,9 +9194,9 @@
             </a:r>
           </a:p>
           <a:p>
-            <a:pPr marL="0" marR="0" lvl="0" indent="0" algn="l" defTabSz="914400" rtl="0" eaLnBrk="0" fontAlgn="base" latinLnBrk="0" hangingPunct="0">
+            <a:pPr marL="621982" lvl="1" indent="-342900" eaLnBrk="0" fontAlgn="base" hangingPunct="0">
               <a:lnSpc>
-                <a:spcPct val="100000"/>
+                <a:spcPct val="150000"/>
               </a:lnSpc>
               <a:spcBef>
                 <a:spcPct val="0"/>
@@ -8825,13 +9205,11 @@
                 <a:spcPct val="0"/>
               </a:spcAft>
               <a:buClrTx/>
-              <a:buSzTx/>
-              <a:buFontTx/>
-              <a:buChar char="•"/>
-              <a:tabLst/>
+              <a:buFont typeface="+mj-lt"/>
+              <a:buAutoNum type="arabicPeriod"/>
             </a:pPr>
             <a:r>
-              <a:rPr kumimoji="0" lang="en-US" altLang="en-US" sz="1800" b="1" i="0" u="none" strike="noStrike" cap="none" normalizeH="0" baseline="0">
+              <a:rPr kumimoji="0" lang="en-US" altLang="en-US" sz="1600" b="1" i="0" u="none" strike="noStrike" cap="none" normalizeH="0" baseline="0" dirty="0">
                 <a:ln>
                   <a:noFill/>
                 </a:ln>
@@ -8844,7 +9222,7 @@
               <a:t>Security:</a:t>
             </a:r>
             <a:r>
-              <a:rPr kumimoji="0" lang="en-US" altLang="en-US" sz="1800" b="0" i="0" u="none" strike="noStrike" cap="none" normalizeH="0" baseline="0">
+              <a:rPr kumimoji="0" lang="en-US" altLang="en-US" sz="1600" b="0" i="0" u="none" strike="noStrike" cap="none" normalizeH="0" baseline="0" dirty="0">
                 <a:ln>
                   <a:noFill/>
                 </a:ln>
@@ -8856,11 +9234,14 @@
               </a:rPr>
               <a:t> Incorporation of hashing for passwords, secure login via servlets, and potential use of HTTPS.</a:t>
             </a:r>
-          </a:p>
-          <a:p>
-            <a:pPr marL="0" marR="0" lvl="0" indent="0" algn="l" defTabSz="914400" rtl="0" eaLnBrk="0" fontAlgn="base" latinLnBrk="0" hangingPunct="0">
+            <a:endParaRPr lang="en-US" altLang="en-US" sz="1600" dirty="0">
+              <a:latin typeface="Arial" panose="020B0604020202020204" pitchFamily="34" charset="0"/>
+            </a:endParaRPr>
+          </a:p>
+          <a:p>
+            <a:pPr marL="279082" lvl="1" indent="0" eaLnBrk="0" fontAlgn="base" hangingPunct="0">
               <a:lnSpc>
-                <a:spcPct val="100000"/>
+                <a:spcPct val="150000"/>
               </a:lnSpc>
               <a:spcBef>
                 <a:spcPct val="0"/>
@@ -8869,25 +9250,9 @@
                 <a:spcPct val="0"/>
               </a:spcAft>
               <a:buClrTx/>
-              <a:buSzTx/>
-              <a:buFontTx/>
-              <a:buChar char="•"/>
-              <a:tabLst/>
+              <a:buNone/>
             </a:pPr>
-            <a:r>
-              <a:rPr kumimoji="0" lang="en-US" altLang="en-US" sz="1800" b="1" i="0" u="none" strike="noStrike" cap="none" normalizeH="0" baseline="0">
-                <a:ln>
-                  <a:noFill/>
-                </a:ln>
-                <a:solidFill>
-                  <a:schemeClr val="tx1"/>
-                </a:solidFill>
-                <a:effectLst/>
-                <a:latin typeface="Arial" panose="020B0604020202020204" pitchFamily="34" charset="0"/>
-              </a:rPr>
-              <a:t>Development Phases:</a:t>
-            </a:r>
-            <a:endParaRPr kumimoji="0" lang="en-US" altLang="en-US" sz="1800" b="0" i="0" u="none" strike="noStrike" cap="none" normalizeH="0" baseline="0">
+            <a:endParaRPr kumimoji="0" lang="en-US" altLang="en-US" sz="1600" b="0" i="0" u="none" strike="noStrike" cap="none" normalizeH="0" baseline="0" dirty="0">
               <a:ln>
                 <a:noFill/>
               </a:ln>
@@ -8901,7 +9266,7 @@
           <a:p>
             <a:pPr marL="0" marR="0" lvl="0" indent="0" algn="l" defTabSz="914400" rtl="0" eaLnBrk="0" fontAlgn="base" latinLnBrk="0" hangingPunct="0">
               <a:lnSpc>
-                <a:spcPct val="100000"/>
+                <a:spcPct val="150000"/>
               </a:lnSpc>
               <a:spcBef>
                 <a:spcPct val="0"/>
@@ -8912,11 +9277,11 @@
               <a:buClrTx/>
               <a:buSzTx/>
               <a:buFontTx/>
-              <a:buAutoNum type="arabicPeriod"/>
+              <a:buChar char="•"/>
               <a:tabLst/>
             </a:pPr>
             <a:r>
-              <a:rPr kumimoji="0" lang="en-US" altLang="en-US" sz="1800" b="1" i="0" u="none" strike="noStrike" cap="none" normalizeH="0" baseline="0">
+              <a:rPr kumimoji="0" lang="en-US" altLang="en-US" sz="1600" b="1" i="0" u="none" strike="noStrike" cap="none" normalizeH="0" baseline="0" dirty="0">
                 <a:ln>
                   <a:noFill/>
                 </a:ln>
@@ -8926,229 +9291,9 @@
                 <a:effectLst/>
                 <a:latin typeface="Arial" panose="020B0604020202020204" pitchFamily="34" charset="0"/>
               </a:rPr>
-              <a:t>Analysis:</a:t>
-            </a:r>
-            <a:r>
-              <a:rPr kumimoji="0" lang="en-US" altLang="en-US" sz="1800" b="0" i="0" u="none" strike="noStrike" cap="none" normalizeH="0" baseline="0">
-                <a:ln>
-                  <a:noFill/>
-                </a:ln>
-                <a:solidFill>
-                  <a:schemeClr val="tx1"/>
-                </a:solidFill>
-                <a:effectLst/>
-                <a:latin typeface="Arial" panose="020B0604020202020204" pitchFamily="34" charset="0"/>
-              </a:rPr>
-              <a:t> Review existing system flaws and determine security requirements.</a:t>
-            </a:r>
-          </a:p>
-          <a:p>
-            <a:pPr marL="0" marR="0" lvl="0" indent="0" algn="l" defTabSz="914400" rtl="0" eaLnBrk="0" fontAlgn="base" latinLnBrk="0" hangingPunct="0">
-              <a:lnSpc>
-                <a:spcPct val="100000"/>
-              </a:lnSpc>
-              <a:spcBef>
-                <a:spcPct val="0"/>
-              </a:spcBef>
-              <a:spcAft>
-                <a:spcPct val="0"/>
-              </a:spcAft>
-              <a:buClrTx/>
-              <a:buSzTx/>
-              <a:buFontTx/>
-              <a:buAutoNum type="arabicPeriod" startAt="2"/>
-              <a:tabLst/>
-            </a:pPr>
-            <a:r>
-              <a:rPr kumimoji="0" lang="en-US" altLang="en-US" sz="1800" b="1" i="0" u="none" strike="noStrike" cap="none" normalizeH="0" baseline="0">
-                <a:ln>
-                  <a:noFill/>
-                </a:ln>
-                <a:solidFill>
-                  <a:schemeClr val="tx1"/>
-                </a:solidFill>
-                <a:effectLst/>
-                <a:latin typeface="Arial" panose="020B0604020202020204" pitchFamily="34" charset="0"/>
-              </a:rPr>
-              <a:t>Design:</a:t>
-            </a:r>
-            <a:r>
-              <a:rPr kumimoji="0" lang="en-US" altLang="en-US" sz="1800" b="0" i="0" u="none" strike="noStrike" cap="none" normalizeH="0" baseline="0">
-                <a:ln>
-                  <a:noFill/>
-                </a:ln>
-                <a:solidFill>
-                  <a:schemeClr val="tx1"/>
-                </a:solidFill>
-                <a:effectLst/>
-                <a:latin typeface="Arial" panose="020B0604020202020204" pitchFamily="34" charset="0"/>
-              </a:rPr>
-              <a:t> Create detailed flowcharts, ER diagrams, and use case diagrams.</a:t>
-            </a:r>
-          </a:p>
-          <a:p>
-            <a:pPr marL="0" marR="0" lvl="0" indent="0" algn="l" defTabSz="914400" rtl="0" eaLnBrk="0" fontAlgn="base" latinLnBrk="0" hangingPunct="0">
-              <a:lnSpc>
-                <a:spcPct val="100000"/>
-              </a:lnSpc>
-              <a:spcBef>
-                <a:spcPct val="0"/>
-              </a:spcBef>
-              <a:spcAft>
-                <a:spcPct val="0"/>
-              </a:spcAft>
-              <a:buClrTx/>
-              <a:buSzTx/>
-              <a:buFontTx/>
-              <a:buAutoNum type="arabicPeriod" startAt="3"/>
-              <a:tabLst/>
-            </a:pPr>
-            <a:r>
-              <a:rPr kumimoji="0" lang="en-US" altLang="en-US" sz="1800" b="1" i="0" u="none" strike="noStrike" cap="none" normalizeH="0" baseline="0">
-                <a:ln>
-                  <a:noFill/>
-                </a:ln>
-                <a:solidFill>
-                  <a:schemeClr val="tx1"/>
-                </a:solidFill>
-                <a:effectLst/>
-                <a:latin typeface="Arial" panose="020B0604020202020204" pitchFamily="34" charset="0"/>
-              </a:rPr>
-              <a:t>Implementation:</a:t>
-            </a:r>
-            <a:r>
-              <a:rPr kumimoji="0" lang="en-US" altLang="en-US" sz="1800" b="0" i="0" u="none" strike="noStrike" cap="none" normalizeH="0" baseline="0">
-                <a:ln>
-                  <a:noFill/>
-                </a:ln>
-                <a:solidFill>
-                  <a:schemeClr val="tx1"/>
-                </a:solidFill>
-                <a:effectLst/>
-                <a:latin typeface="Arial" panose="020B0604020202020204" pitchFamily="34" charset="0"/>
-              </a:rPr>
-              <a:t> Code the backend logic and integrate with the frontend.</a:t>
-            </a:r>
-          </a:p>
-          <a:p>
-            <a:pPr marL="0" marR="0" lvl="0" indent="0" algn="l" defTabSz="914400" rtl="0" eaLnBrk="0" fontAlgn="base" latinLnBrk="0" hangingPunct="0">
-              <a:lnSpc>
-                <a:spcPct val="100000"/>
-              </a:lnSpc>
-              <a:spcBef>
-                <a:spcPct val="0"/>
-              </a:spcBef>
-              <a:spcAft>
-                <a:spcPct val="0"/>
-              </a:spcAft>
-              <a:buClrTx/>
-              <a:buSzTx/>
-              <a:buFontTx/>
-              <a:buAutoNum type="arabicPeriod" startAt="4"/>
-              <a:tabLst/>
-            </a:pPr>
-            <a:r>
-              <a:rPr kumimoji="0" lang="en-US" altLang="en-US" sz="1800" b="1" i="0" u="none" strike="noStrike" cap="none" normalizeH="0" baseline="0">
-                <a:ln>
-                  <a:noFill/>
-                </a:ln>
-                <a:solidFill>
-                  <a:schemeClr val="tx1"/>
-                </a:solidFill>
-                <a:effectLst/>
-                <a:latin typeface="Arial" panose="020B0604020202020204" pitchFamily="34" charset="0"/>
-              </a:rPr>
-              <a:t>Testing:</a:t>
-            </a:r>
-            <a:r>
-              <a:rPr kumimoji="0" lang="en-US" altLang="en-US" sz="1800" b="0" i="0" u="none" strike="noStrike" cap="none" normalizeH="0" baseline="0">
-                <a:ln>
-                  <a:noFill/>
-                </a:ln>
-                <a:solidFill>
-                  <a:schemeClr val="tx1"/>
-                </a:solidFill>
-                <a:effectLst/>
-                <a:latin typeface="Arial" panose="020B0604020202020204" pitchFamily="34" charset="0"/>
-              </a:rPr>
-              <a:t> Conduct functional and security testing.</a:t>
-            </a:r>
-          </a:p>
-          <a:p>
-            <a:pPr marL="0" marR="0" lvl="0" indent="0" algn="l" defTabSz="914400" rtl="0" eaLnBrk="0" fontAlgn="base" latinLnBrk="0" hangingPunct="0">
-              <a:lnSpc>
-                <a:spcPct val="100000"/>
-              </a:lnSpc>
-              <a:spcBef>
-                <a:spcPct val="0"/>
-              </a:spcBef>
-              <a:spcAft>
-                <a:spcPct val="0"/>
-              </a:spcAft>
-              <a:buClrTx/>
-              <a:buSzTx/>
-              <a:buFontTx/>
-              <a:buAutoNum type="arabicPeriod" startAt="5"/>
-              <a:tabLst/>
-            </a:pPr>
-            <a:r>
-              <a:rPr kumimoji="0" lang="en-US" altLang="en-US" sz="1800" b="1" i="0" u="none" strike="noStrike" cap="none" normalizeH="0" baseline="0">
-                <a:ln>
-                  <a:noFill/>
-                </a:ln>
-                <a:solidFill>
-                  <a:schemeClr val="tx1"/>
-                </a:solidFill>
-                <a:effectLst/>
-                <a:latin typeface="Arial" panose="020B0604020202020204" pitchFamily="34" charset="0"/>
-              </a:rPr>
-              <a:t>Deployment:</a:t>
-            </a:r>
-            <a:r>
-              <a:rPr kumimoji="0" lang="en-US" altLang="en-US" sz="1800" b="0" i="0" u="none" strike="noStrike" cap="none" normalizeH="0" baseline="0">
-                <a:ln>
-                  <a:noFill/>
-                </a:ln>
-                <a:solidFill>
-                  <a:schemeClr val="tx1"/>
-                </a:solidFill>
-                <a:effectLst/>
-                <a:latin typeface="Arial" panose="020B0604020202020204" pitchFamily="34" charset="0"/>
-              </a:rPr>
-              <a:t> Package as a WAR file and deploy on Apache Tomcat.</a:t>
-            </a:r>
-          </a:p>
-          <a:p>
-            <a:pPr marL="0" marR="0" lvl="0" indent="0" algn="l" defTabSz="914400" rtl="0" eaLnBrk="0" fontAlgn="base" latinLnBrk="0" hangingPunct="0">
-              <a:lnSpc>
-                <a:spcPct val="100000"/>
-              </a:lnSpc>
-              <a:spcBef>
-                <a:spcPct val="0"/>
-              </a:spcBef>
-              <a:spcAft>
-                <a:spcPct val="0"/>
-              </a:spcAft>
-              <a:buClrTx/>
-              <a:buSzTx/>
-              <a:buFontTx/>
-              <a:buChar char="•"/>
-              <a:tabLst/>
-            </a:pPr>
-            <a:r>
-              <a:rPr kumimoji="0" lang="en-US" altLang="en-US" sz="1800" b="1" i="0" u="none" strike="noStrike" cap="none" normalizeH="0" baseline="0">
-                <a:ln>
-                  <a:noFill/>
-                </a:ln>
-                <a:solidFill>
-                  <a:schemeClr val="tx1"/>
-                </a:solidFill>
-                <a:effectLst/>
-                <a:latin typeface="Arial" panose="020B0604020202020204" pitchFamily="34" charset="0"/>
-              </a:rPr>
-              <a:t>Technologies Used:</a:t>
-            </a:r>
-            <a:endParaRPr kumimoji="0" lang="en-US" altLang="en-US" sz="1800" b="0" i="0" u="none" strike="noStrike" cap="none" normalizeH="0" baseline="0">
+              <a:t>Development Phases:</a:t>
+            </a:r>
+            <a:endParaRPr kumimoji="0" lang="en-US" altLang="en-US" sz="1600" b="0" i="0" u="none" strike="noStrike" cap="none" normalizeH="0" baseline="0" dirty="0">
               <a:ln>
                 <a:noFill/>
               </a:ln>
@@ -9160,9 +9305,9 @@
             </a:endParaRPr>
           </a:p>
           <a:p>
-            <a:pPr marL="0" marR="0" lvl="0" indent="0" algn="l" defTabSz="914400" rtl="0" eaLnBrk="0" fontAlgn="base" latinLnBrk="0" hangingPunct="0">
+            <a:pPr marL="621982" lvl="1" indent="-342900" eaLnBrk="0" fontAlgn="base" hangingPunct="0">
               <a:lnSpc>
-                <a:spcPct val="100000"/>
+                <a:spcPct val="150000"/>
               </a:lnSpc>
               <a:spcBef>
                 <a:spcPct val="0"/>
@@ -9171,13 +9316,11 @@
                 <a:spcPct val="0"/>
               </a:spcAft>
               <a:buClrTx/>
-              <a:buSzTx/>
-              <a:buFontTx/>
-              <a:buChar char="•"/>
-              <a:tabLst/>
+              <a:buFont typeface="+mj-lt"/>
+              <a:buAutoNum type="arabicPeriod"/>
             </a:pPr>
             <a:r>
-              <a:rPr kumimoji="0" lang="en-US" altLang="en-US" sz="1800" b="0" i="0" u="none" strike="noStrike" cap="none" normalizeH="0" baseline="0">
+              <a:rPr kumimoji="0" lang="en-US" altLang="en-US" sz="1600" b="1" i="0" u="none" strike="noStrike" cap="none" normalizeH="0" baseline="0" dirty="0">
                 <a:ln>
                   <a:noFill/>
                 </a:ln>
@@ -9187,6 +9330,284 @@
                 <a:effectLst/>
                 <a:latin typeface="Arial" panose="020B0604020202020204" pitchFamily="34" charset="0"/>
               </a:rPr>
+              <a:t>Analysis:</a:t>
+            </a:r>
+            <a:r>
+              <a:rPr kumimoji="0" lang="en-US" altLang="en-US" sz="1600" b="0" i="0" u="none" strike="noStrike" cap="none" normalizeH="0" baseline="0" dirty="0">
+                <a:ln>
+                  <a:noFill/>
+                </a:ln>
+                <a:solidFill>
+                  <a:schemeClr val="tx1"/>
+                </a:solidFill>
+                <a:effectLst/>
+                <a:latin typeface="Arial" panose="020B0604020202020204" pitchFamily="34" charset="0"/>
+              </a:rPr>
+              <a:t> Review existing system flaws and determine security requirements.</a:t>
+            </a:r>
+          </a:p>
+          <a:p>
+            <a:pPr marL="621982" lvl="1" indent="-342900" eaLnBrk="0" fontAlgn="base" hangingPunct="0">
+              <a:lnSpc>
+                <a:spcPct val="150000"/>
+              </a:lnSpc>
+              <a:spcBef>
+                <a:spcPct val="0"/>
+              </a:spcBef>
+              <a:spcAft>
+                <a:spcPct val="0"/>
+              </a:spcAft>
+              <a:buClrTx/>
+              <a:buFont typeface="+mj-lt"/>
+              <a:buAutoNum type="arabicPeriod"/>
+            </a:pPr>
+            <a:r>
+              <a:rPr kumimoji="0" lang="en-US" altLang="en-US" sz="1600" b="1" i="0" u="none" strike="noStrike" cap="none" normalizeH="0" baseline="0" dirty="0">
+                <a:ln>
+                  <a:noFill/>
+                </a:ln>
+                <a:solidFill>
+                  <a:schemeClr val="tx1"/>
+                </a:solidFill>
+                <a:effectLst/>
+                <a:latin typeface="Arial" panose="020B0604020202020204" pitchFamily="34" charset="0"/>
+              </a:rPr>
+              <a:t>Design:</a:t>
+            </a:r>
+            <a:r>
+              <a:rPr kumimoji="0" lang="en-US" altLang="en-US" sz="1600" b="0" i="0" u="none" strike="noStrike" cap="none" normalizeH="0" baseline="0" dirty="0">
+                <a:ln>
+                  <a:noFill/>
+                </a:ln>
+                <a:solidFill>
+                  <a:schemeClr val="tx1"/>
+                </a:solidFill>
+                <a:effectLst/>
+                <a:latin typeface="Arial" panose="020B0604020202020204" pitchFamily="34" charset="0"/>
+              </a:rPr>
+              <a:t> Create detailed flowcharts, ER diagrams, and use case diagrams.</a:t>
+            </a:r>
+          </a:p>
+          <a:p>
+            <a:pPr marL="621982" lvl="1" indent="-342900" eaLnBrk="0" fontAlgn="base" hangingPunct="0">
+              <a:lnSpc>
+                <a:spcPct val="150000"/>
+              </a:lnSpc>
+              <a:spcBef>
+                <a:spcPct val="0"/>
+              </a:spcBef>
+              <a:spcAft>
+                <a:spcPct val="0"/>
+              </a:spcAft>
+              <a:buClrTx/>
+              <a:buFont typeface="+mj-lt"/>
+              <a:buAutoNum type="arabicPeriod"/>
+            </a:pPr>
+            <a:r>
+              <a:rPr kumimoji="0" lang="en-US" altLang="en-US" sz="1600" b="1" i="0" u="none" strike="noStrike" cap="none" normalizeH="0" baseline="0" dirty="0">
+                <a:ln>
+                  <a:noFill/>
+                </a:ln>
+                <a:solidFill>
+                  <a:schemeClr val="tx1"/>
+                </a:solidFill>
+                <a:effectLst/>
+                <a:latin typeface="Arial" panose="020B0604020202020204" pitchFamily="34" charset="0"/>
+              </a:rPr>
+              <a:t>Implementation:</a:t>
+            </a:r>
+            <a:r>
+              <a:rPr kumimoji="0" lang="en-US" altLang="en-US" sz="1600" b="0" i="0" u="none" strike="noStrike" cap="none" normalizeH="0" baseline="0" dirty="0">
+                <a:ln>
+                  <a:noFill/>
+                </a:ln>
+                <a:solidFill>
+                  <a:schemeClr val="tx1"/>
+                </a:solidFill>
+                <a:effectLst/>
+                <a:latin typeface="Arial" panose="020B0604020202020204" pitchFamily="34" charset="0"/>
+              </a:rPr>
+              <a:t> Code the backend logic and integrate with the frontend.</a:t>
+            </a:r>
+          </a:p>
+          <a:p>
+            <a:pPr marL="621982" lvl="1" indent="-342900" eaLnBrk="0" fontAlgn="base" hangingPunct="0">
+              <a:lnSpc>
+                <a:spcPct val="150000"/>
+              </a:lnSpc>
+              <a:spcBef>
+                <a:spcPct val="0"/>
+              </a:spcBef>
+              <a:spcAft>
+                <a:spcPct val="0"/>
+              </a:spcAft>
+              <a:buClrTx/>
+              <a:buFont typeface="+mj-lt"/>
+              <a:buAutoNum type="arabicPeriod"/>
+            </a:pPr>
+            <a:r>
+              <a:rPr kumimoji="0" lang="en-US" altLang="en-US" sz="1600" b="1" i="0" u="none" strike="noStrike" cap="none" normalizeH="0" baseline="0" dirty="0">
+                <a:ln>
+                  <a:noFill/>
+                </a:ln>
+                <a:solidFill>
+                  <a:schemeClr val="tx1"/>
+                </a:solidFill>
+                <a:effectLst/>
+                <a:latin typeface="Arial" panose="020B0604020202020204" pitchFamily="34" charset="0"/>
+              </a:rPr>
+              <a:t>Testing:</a:t>
+            </a:r>
+            <a:r>
+              <a:rPr kumimoji="0" lang="en-US" altLang="en-US" sz="1600" b="0" i="0" u="none" strike="noStrike" cap="none" normalizeH="0" baseline="0" dirty="0">
+                <a:ln>
+                  <a:noFill/>
+                </a:ln>
+                <a:solidFill>
+                  <a:schemeClr val="tx1"/>
+                </a:solidFill>
+                <a:effectLst/>
+                <a:latin typeface="Arial" panose="020B0604020202020204" pitchFamily="34" charset="0"/>
+              </a:rPr>
+              <a:t> Conduct functional and security testing.</a:t>
+            </a:r>
+          </a:p>
+          <a:p>
+            <a:pPr marL="621982" lvl="1" indent="-342900" eaLnBrk="0" fontAlgn="base" hangingPunct="0">
+              <a:lnSpc>
+                <a:spcPct val="150000"/>
+              </a:lnSpc>
+              <a:spcBef>
+                <a:spcPct val="0"/>
+              </a:spcBef>
+              <a:spcAft>
+                <a:spcPct val="0"/>
+              </a:spcAft>
+              <a:buClrTx/>
+              <a:buFont typeface="+mj-lt"/>
+              <a:buAutoNum type="arabicPeriod"/>
+            </a:pPr>
+            <a:r>
+              <a:rPr kumimoji="0" lang="en-US" altLang="en-US" sz="1600" b="1" i="0" u="none" strike="noStrike" cap="none" normalizeH="0" baseline="0" dirty="0">
+                <a:ln>
+                  <a:noFill/>
+                </a:ln>
+                <a:solidFill>
+                  <a:schemeClr val="tx1"/>
+                </a:solidFill>
+                <a:effectLst/>
+                <a:latin typeface="Arial" panose="020B0604020202020204" pitchFamily="34" charset="0"/>
+              </a:rPr>
+              <a:t>Deployment:</a:t>
+            </a:r>
+            <a:r>
+              <a:rPr kumimoji="0" lang="en-US" altLang="en-US" sz="1600" b="0" i="0" u="none" strike="noStrike" cap="none" normalizeH="0" baseline="0" dirty="0">
+                <a:ln>
+                  <a:noFill/>
+                </a:ln>
+                <a:solidFill>
+                  <a:schemeClr val="tx1"/>
+                </a:solidFill>
+                <a:effectLst/>
+                <a:latin typeface="Arial" panose="020B0604020202020204" pitchFamily="34" charset="0"/>
+              </a:rPr>
+              <a:t> Package as a WAR file and deploy on Apache Tomcat.</a:t>
+            </a:r>
+          </a:p>
+          <a:p>
+            <a:pPr marL="0" marR="0" lvl="0" indent="0" algn="l" defTabSz="914400" rtl="0" eaLnBrk="0" fontAlgn="base" latinLnBrk="0" hangingPunct="0">
+              <a:lnSpc>
+                <a:spcPct val="150000"/>
+              </a:lnSpc>
+              <a:spcBef>
+                <a:spcPct val="0"/>
+              </a:spcBef>
+              <a:spcAft>
+                <a:spcPct val="0"/>
+              </a:spcAft>
+              <a:buClrTx/>
+              <a:buSzTx/>
+              <a:buNone/>
+              <a:tabLst/>
+            </a:pPr>
+            <a:endParaRPr kumimoji="0" lang="en-US" altLang="en-US" sz="1600" b="0" i="0" u="none" strike="noStrike" cap="none" normalizeH="0" baseline="0" dirty="0">
+              <a:ln>
+                <a:noFill/>
+              </a:ln>
+              <a:solidFill>
+                <a:schemeClr val="tx1"/>
+              </a:solidFill>
+              <a:effectLst/>
+              <a:latin typeface="Arial" panose="020B0604020202020204" pitchFamily="34" charset="0"/>
+            </a:endParaRPr>
+          </a:p>
+          <a:p>
+            <a:pPr marL="0" marR="0" lvl="0" indent="0" algn="l" defTabSz="914400" rtl="0" eaLnBrk="0" fontAlgn="base" latinLnBrk="0" hangingPunct="0">
+              <a:lnSpc>
+                <a:spcPct val="150000"/>
+              </a:lnSpc>
+              <a:spcBef>
+                <a:spcPct val="0"/>
+              </a:spcBef>
+              <a:spcAft>
+                <a:spcPct val="0"/>
+              </a:spcAft>
+              <a:buClrTx/>
+              <a:buSzTx/>
+              <a:buFontTx/>
+              <a:buChar char="•"/>
+              <a:tabLst/>
+            </a:pPr>
+            <a:r>
+              <a:rPr kumimoji="0" lang="en-US" altLang="en-US" sz="1600" b="1" i="0" u="none" strike="noStrike" cap="none" normalizeH="0" baseline="0" dirty="0">
+                <a:ln>
+                  <a:noFill/>
+                </a:ln>
+                <a:solidFill>
+                  <a:schemeClr val="tx1"/>
+                </a:solidFill>
+                <a:effectLst/>
+                <a:latin typeface="Arial" panose="020B0604020202020204" pitchFamily="34" charset="0"/>
+              </a:rPr>
+              <a:t>Technologies Used:</a:t>
+            </a:r>
+            <a:endParaRPr kumimoji="0" lang="en-US" altLang="en-US" sz="1600" b="0" i="0" u="none" strike="noStrike" cap="none" normalizeH="0" baseline="0" dirty="0">
+              <a:ln>
+                <a:noFill/>
+              </a:ln>
+              <a:solidFill>
+                <a:schemeClr val="tx1"/>
+              </a:solidFill>
+              <a:effectLst/>
+              <a:latin typeface="Arial" panose="020B0604020202020204" pitchFamily="34" charset="0"/>
+            </a:endParaRPr>
+          </a:p>
+          <a:p>
+            <a:pPr marL="279082" lvl="1" indent="0" eaLnBrk="0" fontAlgn="base" hangingPunct="0">
+              <a:lnSpc>
+                <a:spcPct val="150000"/>
+              </a:lnSpc>
+              <a:spcBef>
+                <a:spcPct val="0"/>
+              </a:spcBef>
+              <a:spcAft>
+                <a:spcPct val="0"/>
+              </a:spcAft>
+              <a:buClrTx/>
+              <a:buFontTx/>
+              <a:buChar char="•"/>
+            </a:pPr>
+            <a:r>
+              <a:rPr kumimoji="0" lang="en-US" altLang="en-US" sz="1600" b="0" i="0" u="none" strike="noStrike" cap="none" normalizeH="0" baseline="0" dirty="0">
+                <a:ln>
+                  <a:noFill/>
+                </a:ln>
+                <a:solidFill>
+                  <a:schemeClr val="tx1"/>
+                </a:solidFill>
+                <a:effectLst/>
+                <a:latin typeface="Arial" panose="020B0604020202020204" pitchFamily="34" charset="0"/>
+              </a:rPr>
               <a:t>Java, MySQL, Apache Tomcat, React, HTML/CSS/JavaScript, JDBC.</a:t>
             </a:r>
           </a:p>
@@ -9207,7 +9628,7 @@
               <a:buNone/>
               <a:tabLst/>
             </a:pPr>
-            <a:endParaRPr kumimoji="0" lang="en-US" altLang="en-US" sz="1800" b="0" i="0" u="none" strike="noStrike" cap="none" normalizeH="0" baseline="0">
+            <a:endParaRPr kumimoji="0" lang="en-US" altLang="en-US" sz="1800" b="0" i="0" u="none" strike="noStrike" cap="none" normalizeH="0" baseline="0" dirty="0">
               <a:ln>
                 <a:noFill/>
               </a:ln>
@@ -9501,8 +9922,8 @@
         </p:nvSpPr>
         <p:spPr bwMode="auto">
           <a:xfrm>
-            <a:off x="1522413" y="1263650"/>
-            <a:ext cx="9601200" cy="4756150"/>
+            <a:off x="1065211" y="1251416"/>
+            <a:ext cx="10058403" cy="5073184"/>
           </a:xfrm>
           <a:prstGeom prst="rect">
             <a:avLst/>
@@ -9542,7 +9963,7 @@
           </a:extLst>
         </p:spPr>
         <p:txBody>
-          <a:bodyPr vert="horz" wrap="none" lIns="91440" tIns="45720" rIns="91440" bIns="45720" numCol="1" anchor="ctr" anchorCtr="0" compatLnSpc="1">
+          <a:bodyPr vert="horz" wrap="square" lIns="91440" tIns="45720" rIns="91440" bIns="45720" numCol="1" anchor="ctr" anchorCtr="0" compatLnSpc="1">
             <a:prstTxWarp prst="textNoShape">
               <a:avLst/>
             </a:prstTxWarp>
@@ -9552,7 +9973,7 @@
           <a:p>
             <a:pPr marL="0" marR="0" lvl="0" indent="0" algn="l" defTabSz="914400" rtl="0" eaLnBrk="0" fontAlgn="base" latinLnBrk="0" hangingPunct="0">
               <a:lnSpc>
-                <a:spcPct val="100000"/>
+                <a:spcPct val="150000"/>
               </a:lnSpc>
               <a:spcBef>
                 <a:spcPct val="0"/>
@@ -9567,7 +9988,7 @@
               <a:tabLst/>
             </a:pPr>
             <a:r>
-              <a:rPr kumimoji="0" lang="en-US" altLang="en-US" sz="1800" b="1" i="0" u="none" strike="noStrike" cap="none" normalizeH="0" baseline="0">
+              <a:rPr kumimoji="0" lang="en-US" altLang="en-US" sz="1800" b="1" i="0" u="none" strike="noStrike" cap="none" normalizeH="0" baseline="0" dirty="0">
                 <a:ln>
                   <a:noFill/>
                 </a:ln>
@@ -9579,7 +10000,7 @@
               </a:rPr>
               <a:t>Technical Feasibility:</a:t>
             </a:r>
-            <a:endParaRPr kumimoji="0" lang="en-US" altLang="en-US" sz="1800" b="0" i="0" u="none" strike="noStrike" cap="none" normalizeH="0" baseline="0">
+            <a:endParaRPr kumimoji="0" lang="en-US" altLang="en-US" sz="1800" b="0" i="0" u="none" strike="noStrike" cap="none" normalizeH="0" baseline="0" dirty="0">
               <a:ln>
                 <a:noFill/>
               </a:ln>
@@ -9591,9 +10012,9 @@
             </a:endParaRPr>
           </a:p>
           <a:p>
-            <a:pPr marL="0" marR="0" lvl="0" indent="0" algn="l" defTabSz="914400" rtl="0" eaLnBrk="0" fontAlgn="base" latinLnBrk="0" hangingPunct="0">
+            <a:pPr marL="279082" lvl="1" indent="0" eaLnBrk="0" fontAlgn="base" hangingPunct="0">
               <a:lnSpc>
-                <a:spcPct val="100000"/>
+                <a:spcPct val="150000"/>
               </a:lnSpc>
               <a:spcBef>
                 <a:spcPct val="0"/>
@@ -9602,13 +10023,11 @@
                 <a:spcPct val="0"/>
               </a:spcAft>
               <a:buClrTx/>
-              <a:buSzTx/>
               <a:buFontTx/>
               <a:buChar char="•"/>
-              <a:tabLst/>
             </a:pPr>
             <a:r>
-              <a:rPr kumimoji="0" lang="en-US" altLang="en-US" sz="1800" b="0" i="0" u="none" strike="noStrike" cap="none" normalizeH="0" baseline="0">
+              <a:rPr kumimoji="0" lang="en-US" altLang="en-US" sz="1600" b="0" i="0" u="none" strike="noStrike" cap="none" normalizeH="0" baseline="0" dirty="0">
                 <a:ln>
                   <a:noFill/>
                 </a:ln>
@@ -9622,9 +10041,9 @@
             </a:r>
           </a:p>
           <a:p>
-            <a:pPr marL="0" marR="0" lvl="0" indent="0" algn="l" defTabSz="914400" rtl="0" eaLnBrk="0" fontAlgn="base" latinLnBrk="0" hangingPunct="0">
+            <a:pPr marL="279082" lvl="1" indent="0" eaLnBrk="0" fontAlgn="base" hangingPunct="0">
               <a:lnSpc>
-                <a:spcPct val="100000"/>
+                <a:spcPct val="150000"/>
               </a:lnSpc>
               <a:spcBef>
                 <a:spcPct val="0"/>
@@ -9633,13 +10052,11 @@
                 <a:spcPct val="0"/>
               </a:spcAft>
               <a:buClrTx/>
-              <a:buSzTx/>
               <a:buFontTx/>
               <a:buChar char="•"/>
-              <a:tabLst/>
             </a:pPr>
             <a:r>
-              <a:rPr kumimoji="0" lang="en-US" altLang="en-US" sz="1800" b="0" i="0" u="none" strike="noStrike" cap="none" normalizeH="0" baseline="0">
+              <a:rPr kumimoji="0" lang="en-US" altLang="en-US" sz="1600" b="0" i="0" u="none" strike="noStrike" cap="none" normalizeH="0" baseline="0" dirty="0">
                 <a:ln>
                   <a:noFill/>
                 </a:ln>
@@ -9655,7 +10072,7 @@
           <a:p>
             <a:pPr marL="0" marR="0" lvl="0" indent="0" algn="l" defTabSz="914400" rtl="0" eaLnBrk="0" fontAlgn="base" latinLnBrk="0" hangingPunct="0">
               <a:lnSpc>
-                <a:spcPct val="100000"/>
+                <a:spcPct val="150000"/>
               </a:lnSpc>
               <a:spcBef>
                 <a:spcPct val="0"/>
@@ -9670,7 +10087,7 @@
               <a:tabLst/>
             </a:pPr>
             <a:r>
-              <a:rPr kumimoji="0" lang="en-US" altLang="en-US" sz="1800" b="1" i="0" u="none" strike="noStrike" cap="none" normalizeH="0" baseline="0">
+              <a:rPr kumimoji="0" lang="en-US" altLang="en-US" sz="1800" b="1" i="0" u="none" strike="noStrike" cap="none" normalizeH="0" baseline="0" dirty="0">
                 <a:ln>
                   <a:noFill/>
                 </a:ln>
@@ -9682,7 +10099,7 @@
               </a:rPr>
               <a:t>Economic Feasibility:</a:t>
             </a:r>
-            <a:endParaRPr kumimoji="0" lang="en-US" altLang="en-US" sz="1800" b="0" i="0" u="none" strike="noStrike" cap="none" normalizeH="0" baseline="0">
+            <a:endParaRPr kumimoji="0" lang="en-US" altLang="en-US" sz="1800" b="0" i="0" u="none" strike="noStrike" cap="none" normalizeH="0" baseline="0" dirty="0">
               <a:ln>
                 <a:noFill/>
               </a:ln>
@@ -9694,9 +10111,9 @@
             </a:endParaRPr>
           </a:p>
           <a:p>
-            <a:pPr marL="0" marR="0" lvl="0" indent="0" algn="l" defTabSz="914400" rtl="0" eaLnBrk="0" fontAlgn="base" latinLnBrk="0" hangingPunct="0">
+            <a:pPr marL="279082" lvl="1" indent="0" eaLnBrk="0" fontAlgn="base" hangingPunct="0">
               <a:lnSpc>
-                <a:spcPct val="100000"/>
+                <a:spcPct val="150000"/>
               </a:lnSpc>
               <a:spcBef>
                 <a:spcPct val="0"/>
@@ -9705,13 +10122,11 @@
                 <a:spcPct val="0"/>
               </a:spcAft>
               <a:buClrTx/>
-              <a:buSzTx/>
               <a:buFontTx/>
               <a:buChar char="•"/>
-              <a:tabLst/>
             </a:pPr>
             <a:r>
-              <a:rPr kumimoji="0" lang="en-US" altLang="en-US" sz="1800" b="0" i="0" u="none" strike="noStrike" cap="none" normalizeH="0" baseline="0">
+              <a:rPr kumimoji="0" lang="en-US" altLang="en-US" sz="1600" b="0" i="0" u="none" strike="noStrike" cap="none" normalizeH="0" baseline="0" dirty="0">
                 <a:ln>
                   <a:noFill/>
                 </a:ln>
@@ -9725,9 +10140,9 @@
             </a:r>
           </a:p>
           <a:p>
-            <a:pPr marL="0" marR="0" lvl="0" indent="0" algn="l" defTabSz="914400" rtl="0" eaLnBrk="0" fontAlgn="base" latinLnBrk="0" hangingPunct="0">
+            <a:pPr marL="279082" lvl="1" indent="0" eaLnBrk="0" fontAlgn="base" hangingPunct="0">
               <a:lnSpc>
-                <a:spcPct val="100000"/>
+                <a:spcPct val="150000"/>
               </a:lnSpc>
               <a:spcBef>
                 <a:spcPct val="0"/>
@@ -9736,13 +10151,11 @@
                 <a:spcPct val="0"/>
               </a:spcAft>
               <a:buClrTx/>
-              <a:buSzTx/>
               <a:buFontTx/>
               <a:buChar char="•"/>
-              <a:tabLst/>
             </a:pPr>
             <a:r>
-              <a:rPr kumimoji="0" lang="en-US" altLang="en-US" sz="1800" b="0" i="0" u="none" strike="noStrike" cap="none" normalizeH="0" baseline="0">
+              <a:rPr kumimoji="0" lang="en-US" altLang="en-US" sz="1600" b="0" i="0" u="none" strike="noStrike" cap="none" normalizeH="0" baseline="0" dirty="0">
                 <a:ln>
                   <a:noFill/>
                 </a:ln>
@@ -9758,7 +10171,7 @@
           <a:p>
             <a:pPr marL="0" marR="0" lvl="0" indent="0" algn="l" defTabSz="914400" rtl="0" eaLnBrk="0" fontAlgn="base" latinLnBrk="0" hangingPunct="0">
               <a:lnSpc>
-                <a:spcPct val="100000"/>
+                <a:spcPct val="150000"/>
               </a:lnSpc>
               <a:spcBef>
                 <a:spcPct val="0"/>
@@ -9773,7 +10186,7 @@
               <a:tabLst/>
             </a:pPr>
             <a:r>
-              <a:rPr kumimoji="0" lang="en-US" altLang="en-US" sz="1800" b="1" i="0" u="none" strike="noStrike" cap="none" normalizeH="0" baseline="0">
+              <a:rPr kumimoji="0" lang="en-US" altLang="en-US" sz="1800" b="1" i="0" u="none" strike="noStrike" cap="none" normalizeH="0" baseline="0" dirty="0">
                 <a:ln>
                   <a:noFill/>
                 </a:ln>
@@ -9785,7 +10198,7 @@
               </a:rPr>
               <a:t>Operational Feasibility:</a:t>
             </a:r>
-            <a:endParaRPr kumimoji="0" lang="en-US" altLang="en-US" sz="1800" b="0" i="0" u="none" strike="noStrike" cap="none" normalizeH="0" baseline="0">
+            <a:endParaRPr kumimoji="0" lang="en-US" altLang="en-US" sz="1800" b="0" i="0" u="none" strike="noStrike" cap="none" normalizeH="0" baseline="0" dirty="0">
               <a:ln>
                 <a:noFill/>
               </a:ln>
@@ -9797,9 +10210,9 @@
             </a:endParaRPr>
           </a:p>
           <a:p>
-            <a:pPr marL="0" marR="0" lvl="0" indent="0" algn="l" defTabSz="914400" rtl="0" eaLnBrk="0" fontAlgn="base" latinLnBrk="0" hangingPunct="0">
+            <a:pPr marL="279082" lvl="1" indent="0" eaLnBrk="0" fontAlgn="base" hangingPunct="0">
               <a:lnSpc>
-                <a:spcPct val="100000"/>
+                <a:spcPct val="150000"/>
               </a:lnSpc>
               <a:spcBef>
                 <a:spcPct val="0"/>
@@ -9808,13 +10221,11 @@
                 <a:spcPct val="0"/>
               </a:spcAft>
               <a:buClrTx/>
-              <a:buSzTx/>
               <a:buFontTx/>
               <a:buChar char="•"/>
-              <a:tabLst/>
             </a:pPr>
             <a:r>
-              <a:rPr kumimoji="0" lang="en-US" altLang="en-US" sz="1800" b="0" i="0" u="none" strike="noStrike" cap="none" normalizeH="0" baseline="0">
+              <a:rPr kumimoji="0" lang="en-US" altLang="en-US" sz="1600" b="0" i="0" u="none" strike="noStrike" cap="none" normalizeH="0" baseline="0" dirty="0">
                 <a:ln>
                   <a:noFill/>
                 </a:ln>
@@ -9828,9 +10239,9 @@
             </a:r>
           </a:p>
           <a:p>
-            <a:pPr marL="0" marR="0" lvl="0" indent="0" algn="l" defTabSz="914400" rtl="0" eaLnBrk="0" fontAlgn="base" latinLnBrk="0" hangingPunct="0">
+            <a:pPr marL="279082" lvl="1" indent="0" eaLnBrk="0" fontAlgn="base" hangingPunct="0">
               <a:lnSpc>
-                <a:spcPct val="100000"/>
+                <a:spcPct val="150000"/>
               </a:lnSpc>
               <a:spcBef>
                 <a:spcPct val="0"/>
@@ -9839,13 +10250,11 @@
                 <a:spcPct val="0"/>
               </a:spcAft>
               <a:buClrTx/>
-              <a:buSzTx/>
               <a:buFontTx/>
               <a:buChar char="•"/>
-              <a:tabLst/>
             </a:pPr>
             <a:r>
-              <a:rPr kumimoji="0" lang="en-US" altLang="en-US" sz="1800" b="0" i="0" u="none" strike="noStrike" cap="none" normalizeH="0" baseline="0">
+              <a:rPr kumimoji="0" lang="en-US" altLang="en-US" sz="1600" b="0" i="0" u="none" strike="noStrike" cap="none" normalizeH="0" baseline="0" dirty="0">
                 <a:ln>
                   <a:noFill/>
                 </a:ln>
@@ -9861,7 +10270,7 @@
           <a:p>
             <a:pPr marL="0" marR="0" lvl="0" indent="0" algn="l" defTabSz="914400" rtl="0" eaLnBrk="0" fontAlgn="base" latinLnBrk="0" hangingPunct="0">
               <a:lnSpc>
-                <a:spcPct val="100000"/>
+                <a:spcPct val="150000"/>
               </a:lnSpc>
               <a:spcBef>
                 <a:spcPct val="0"/>
@@ -9876,7 +10285,7 @@
               <a:tabLst/>
             </a:pPr>
             <a:r>
-              <a:rPr kumimoji="0" lang="en-US" altLang="en-US" sz="1800" b="1" i="0" u="none" strike="noStrike" cap="none" normalizeH="0" baseline="0">
+              <a:rPr kumimoji="0" lang="en-US" altLang="en-US" sz="1800" b="1" i="0" u="none" strike="noStrike" cap="none" normalizeH="0" baseline="0" dirty="0">
                 <a:ln>
                   <a:noFill/>
                 </a:ln>
@@ -9888,7 +10297,7 @@
               </a:rPr>
               <a:t>Schedule &amp; Resource Feasibility:</a:t>
             </a:r>
-            <a:endParaRPr kumimoji="0" lang="en-US" altLang="en-US" sz="1800" b="0" i="0" u="none" strike="noStrike" cap="none" normalizeH="0" baseline="0">
+            <a:endParaRPr kumimoji="0" lang="en-US" altLang="en-US" sz="1800" b="0" i="0" u="none" strike="noStrike" cap="none" normalizeH="0" baseline="0" dirty="0">
               <a:ln>
                 <a:noFill/>
               </a:ln>
@@ -9900,9 +10309,9 @@
             </a:endParaRPr>
           </a:p>
           <a:p>
-            <a:pPr marL="0" marR="0" lvl="0" indent="0" algn="l" defTabSz="914400" rtl="0" eaLnBrk="0" fontAlgn="base" latinLnBrk="0" hangingPunct="0">
+            <a:pPr marL="279082" lvl="1" indent="0" eaLnBrk="0" fontAlgn="base" hangingPunct="0">
               <a:lnSpc>
-                <a:spcPct val="100000"/>
+                <a:spcPct val="150000"/>
               </a:lnSpc>
               <a:spcBef>
                 <a:spcPct val="0"/>
@@ -9911,13 +10320,11 @@
                 <a:spcPct val="0"/>
               </a:spcAft>
               <a:buClrTx/>
-              <a:buSzTx/>
               <a:buFontTx/>
               <a:buChar char="•"/>
-              <a:tabLst/>
             </a:pPr>
             <a:r>
-              <a:rPr kumimoji="0" lang="en-US" altLang="en-US" sz="1800" b="0" i="0" u="none" strike="noStrike" cap="none" normalizeH="0" baseline="0">
+              <a:rPr kumimoji="0" lang="en-US" altLang="en-US" sz="1600" b="0" i="0" u="none" strike="noStrike" cap="none" normalizeH="0" baseline="0" dirty="0">
                 <a:ln>
                   <a:noFill/>
                 </a:ln>
@@ -9931,9 +10338,9 @@
             </a:r>
           </a:p>
           <a:p>
-            <a:pPr marL="0" marR="0" lvl="0" indent="0" algn="l" defTabSz="914400" rtl="0" eaLnBrk="0" fontAlgn="base" latinLnBrk="0" hangingPunct="0">
+            <a:pPr marL="279082" lvl="1" indent="0" eaLnBrk="0" fontAlgn="base" hangingPunct="0">
               <a:lnSpc>
-                <a:spcPct val="100000"/>
+                <a:spcPct val="150000"/>
               </a:lnSpc>
               <a:spcBef>
                 <a:spcPct val="0"/>
@@ -9942,13 +10349,11 @@
                 <a:spcPct val="0"/>
               </a:spcAft>
               <a:buClrTx/>
-              <a:buSzTx/>
               <a:buFontTx/>
               <a:buChar char="•"/>
-              <a:tabLst/>
             </a:pPr>
             <a:r>
-              <a:rPr kumimoji="0" lang="en-US" altLang="en-US" sz="1800" b="0" i="0" u="none" strike="noStrike" cap="none" normalizeH="0" baseline="0">
+              <a:rPr kumimoji="0" lang="en-US" altLang="en-US" sz="1600" b="0" i="0" u="none" strike="noStrike" cap="none" normalizeH="0" baseline="0" dirty="0">
                 <a:ln>
                   <a:noFill/>
                 </a:ln>
@@ -9964,7 +10369,7 @@
           <a:p>
             <a:pPr marL="0" marR="0" lvl="0" indent="0" algn="l" defTabSz="914400" rtl="0" eaLnBrk="0" fontAlgn="base" latinLnBrk="0" hangingPunct="0">
               <a:lnSpc>
-                <a:spcPct val="100000"/>
+                <a:spcPct val="150000"/>
               </a:lnSpc>
               <a:spcBef>
                 <a:spcPct val="0"/>
@@ -9978,7 +10383,7 @@
               <a:buNone/>
               <a:tabLst/>
             </a:pPr>
-            <a:endParaRPr kumimoji="0" lang="en-US" altLang="en-US" sz="1800" b="0" i="0" u="none" strike="noStrike" cap="none" normalizeH="0" baseline="0">
+            <a:endParaRPr kumimoji="0" lang="en-US" altLang="en-US" sz="1800" b="0" i="0" u="none" strike="noStrike" cap="none" normalizeH="0" baseline="0" dirty="0">
               <a:ln>
                 <a:noFill/>
               </a:ln>
@@ -10049,7 +10454,12 @@
             <p:ph type="title"/>
           </p:nvPr>
         </p:nvSpPr>
-        <p:spPr/>
+        <p:spPr>
+          <a:xfrm>
+            <a:off x="1517950" y="412751"/>
+            <a:ext cx="9601200" cy="1143000"/>
+          </a:xfrm>
+        </p:spPr>
         <p:txBody>
           <a:bodyPr/>
           <a:lstStyle/>
@@ -10060,7 +10470,7 @@
               </a:spcBef>
             </a:pPr>
             <a:r>
-              <a:rPr lang="en-US" b="1">
+              <a:rPr lang="en-US" b="1" dirty="0">
                 <a:latin typeface="Arial"/>
                 <a:cs typeface="Arial"/>
               </a:rPr>
@@ -10069,7 +10479,7 @@
           </a:p>
           <a:p>
             <a:pPr algn="ctr"/>
-            <a:endParaRPr lang="en-US" b="1">
+            <a:endParaRPr lang="en-US" b="1" dirty="0">
               <a:latin typeface="Arial"/>
               <a:cs typeface="Arial"/>
             </a:endParaRPr>
@@ -10121,6 +10531,10 @@
           </p:nvPr>
         </p:nvSpPr>
         <p:spPr bwMode="auto">
+          <a:xfrm>
+            <a:off x="892492" y="984251"/>
+            <a:ext cx="10403840" cy="5309659"/>
+          </a:xfrm>
           <a:prstGeom prst="rect">
             <a:avLst/>
           </a:prstGeom>
@@ -10159,7 +10573,7 @@
           </a:extLst>
         </p:spPr>
         <p:txBody>
-          <a:bodyPr vert="horz" wrap="none" lIns="91440" tIns="45720" rIns="91440" bIns="45720" numCol="1" anchor="ctr" anchorCtr="0" compatLnSpc="1">
+          <a:bodyPr vert="horz" wrap="square" lIns="91440" tIns="45720" rIns="91440" bIns="45720" numCol="1" anchor="ctr" anchorCtr="0" compatLnSpc="1">
             <a:prstTxWarp prst="textNoShape">
               <a:avLst/>
             </a:prstTxWarp>
@@ -10169,7 +10583,7 @@
           <a:p>
             <a:pPr marL="0" marR="0" lvl="0" indent="0" algn="l" defTabSz="914400" rtl="0" eaLnBrk="0" fontAlgn="base" latinLnBrk="0" hangingPunct="0">
               <a:lnSpc>
-                <a:spcPct val="100000"/>
+                <a:spcPct val="150000"/>
               </a:lnSpc>
               <a:spcBef>
                 <a:spcPct val="0"/>
@@ -10184,7 +10598,7 @@
               <a:tabLst/>
             </a:pPr>
             <a:r>
-              <a:rPr kumimoji="0" lang="en-US" altLang="en-US" sz="1800" b="1" i="0" u="none" strike="noStrike" cap="none" normalizeH="0" baseline="0">
+              <a:rPr kumimoji="0" lang="en-US" altLang="en-US" sz="1800" b="1" i="0" u="none" strike="noStrike" cap="none" normalizeH="0" baseline="0" dirty="0">
                 <a:ln>
                   <a:noFill/>
                 </a:ln>
@@ -10196,7 +10610,7 @@
               </a:rPr>
               <a:t>Hardware:</a:t>
             </a:r>
-            <a:endParaRPr kumimoji="0" lang="en-US" altLang="en-US" sz="1800" b="0" i="0" u="none" strike="noStrike" cap="none" normalizeH="0" baseline="0">
+            <a:endParaRPr kumimoji="0" lang="en-US" altLang="en-US" sz="1800" b="0" i="0" u="none" strike="noStrike" cap="none" normalizeH="0" baseline="0" dirty="0">
               <a:ln>
                 <a:noFill/>
               </a:ln>
@@ -10208,9 +10622,9 @@
             </a:endParaRPr>
           </a:p>
           <a:p>
-            <a:pPr marL="0" marR="0" lvl="0" indent="0" algn="l" defTabSz="914400" rtl="0" eaLnBrk="0" fontAlgn="base" latinLnBrk="0" hangingPunct="0">
+            <a:pPr marL="279082" lvl="1" indent="0" eaLnBrk="0" fontAlgn="base" hangingPunct="0">
               <a:lnSpc>
-                <a:spcPct val="100000"/>
+                <a:spcPct val="150000"/>
               </a:lnSpc>
               <a:spcBef>
                 <a:spcPct val="0"/>
@@ -10219,13 +10633,11 @@
                 <a:spcPct val="0"/>
               </a:spcAft>
               <a:buClrTx/>
-              <a:buSzTx/>
               <a:buFontTx/>
               <a:buChar char="•"/>
-              <a:tabLst/>
             </a:pPr>
             <a:r>
-              <a:rPr kumimoji="0" lang="en-US" altLang="en-US" sz="1800" b="0" i="0" u="none" strike="noStrike" cap="none" normalizeH="0" baseline="0">
+              <a:rPr kumimoji="0" lang="en-US" altLang="en-US" sz="1600" b="0" i="0" u="none" strike="noStrike" cap="none" normalizeH="0" baseline="0" dirty="0">
                 <a:ln>
                   <a:noFill/>
                 </a:ln>
@@ -10239,9 +10651,9 @@
             </a:r>
           </a:p>
           <a:p>
-            <a:pPr marL="0" marR="0" lvl="0" indent="0" algn="l" defTabSz="914400" rtl="0" eaLnBrk="0" fontAlgn="base" latinLnBrk="0" hangingPunct="0">
+            <a:pPr marL="279082" lvl="1" indent="0" eaLnBrk="0" fontAlgn="base" hangingPunct="0">
               <a:lnSpc>
-                <a:spcPct val="100000"/>
+                <a:spcPct val="150000"/>
               </a:lnSpc>
               <a:spcBef>
                 <a:spcPct val="0"/>
@@ -10250,13 +10662,11 @@
                 <a:spcPct val="0"/>
               </a:spcAft>
               <a:buClrTx/>
-              <a:buSzTx/>
               <a:buFontTx/>
               <a:buChar char="•"/>
-              <a:tabLst/>
             </a:pPr>
             <a:r>
-              <a:rPr kumimoji="0" lang="en-US" altLang="en-US" sz="1800" b="0" i="0" u="none" strike="noStrike" cap="none" normalizeH="0" baseline="0">
+              <a:rPr kumimoji="0" lang="en-US" altLang="en-US" sz="1600" b="0" i="0" u="none" strike="noStrike" cap="none" normalizeH="0" baseline="0" dirty="0">
                 <a:ln>
                   <a:noFill/>
                 </a:ln>
@@ -10272,7 +10682,7 @@
           <a:p>
             <a:pPr marL="0" marR="0" lvl="0" indent="0" algn="l" defTabSz="914400" rtl="0" eaLnBrk="0" fontAlgn="base" latinLnBrk="0" hangingPunct="0">
               <a:lnSpc>
-                <a:spcPct val="100000"/>
+                <a:spcPct val="150000"/>
               </a:lnSpc>
               <a:spcBef>
                 <a:spcPct val="0"/>
@@ -10287,7 +10697,7 @@
               <a:tabLst/>
             </a:pPr>
             <a:r>
-              <a:rPr kumimoji="0" lang="en-US" altLang="en-US" sz="1800" b="1" i="0" u="none" strike="noStrike" cap="none" normalizeH="0" baseline="0">
+              <a:rPr kumimoji="0" lang="en-US" altLang="en-US" sz="1800" b="1" i="0" u="none" strike="noStrike" cap="none" normalizeH="0" baseline="0" dirty="0">
                 <a:ln>
                   <a:noFill/>
                 </a:ln>
@@ -10299,7 +10709,7 @@
               </a:rPr>
               <a:t>Software Requirements:</a:t>
             </a:r>
-            <a:endParaRPr kumimoji="0" lang="en-US" altLang="en-US" sz="1800" b="0" i="0" u="none" strike="noStrike" cap="none" normalizeH="0" baseline="0">
+            <a:endParaRPr kumimoji="0" lang="en-US" altLang="en-US" sz="1800" b="0" i="0" u="none" strike="noStrike" cap="none" normalizeH="0" baseline="0" dirty="0">
               <a:ln>
                 <a:noFill/>
               </a:ln>
@@ -10311,9 +10721,9 @@
             </a:endParaRPr>
           </a:p>
           <a:p>
-            <a:pPr marL="0" marR="0" lvl="0" indent="0" algn="l" defTabSz="914400" rtl="0" eaLnBrk="0" fontAlgn="base" latinLnBrk="0" hangingPunct="0">
+            <a:pPr marL="279082" lvl="1" indent="0" eaLnBrk="0" fontAlgn="base" hangingPunct="0">
               <a:lnSpc>
-                <a:spcPct val="100000"/>
+                <a:spcPct val="150000"/>
               </a:lnSpc>
               <a:spcBef>
                 <a:spcPct val="0"/>
@@ -10322,13 +10732,11 @@
                 <a:spcPct val="0"/>
               </a:spcAft>
               <a:buClrTx/>
-              <a:buSzTx/>
               <a:buFontTx/>
               <a:buChar char="•"/>
-              <a:tabLst/>
             </a:pPr>
             <a:r>
-              <a:rPr kumimoji="0" lang="en-US" altLang="en-US" sz="1800" b="1" i="0" u="none" strike="noStrike" cap="none" normalizeH="0" baseline="0">
+              <a:rPr kumimoji="0" lang="en-US" altLang="en-US" sz="1600" b="1" i="0" u="none" strike="noStrike" cap="none" normalizeH="0" baseline="0" dirty="0">
                 <a:ln>
                   <a:noFill/>
                 </a:ln>
@@ -10340,7 +10748,7 @@
               </a:rPr>
               <a:t>Backend:</a:t>
             </a:r>
-            <a:endParaRPr kumimoji="0" lang="en-US" altLang="en-US" sz="1800" b="0" i="0" u="none" strike="noStrike" cap="none" normalizeH="0" baseline="0">
+            <a:endParaRPr kumimoji="0" lang="en-US" altLang="en-US" sz="1600" b="0" i="0" u="none" strike="noStrike" cap="none" normalizeH="0" baseline="0" dirty="0">
               <a:ln>
                 <a:noFill/>
               </a:ln>
@@ -10352,9 +10760,9 @@
             </a:endParaRPr>
           </a:p>
           <a:p>
-            <a:pPr marL="457200" marR="0" lvl="1" indent="0" algn="l" defTabSz="914400" rtl="0" eaLnBrk="0" fontAlgn="base" latinLnBrk="0" hangingPunct="0">
+            <a:pPr marL="695643" lvl="2" indent="0" eaLnBrk="0" fontAlgn="base" hangingPunct="0">
               <a:lnSpc>
-                <a:spcPct val="100000"/>
+                <a:spcPct val="150000"/>
               </a:lnSpc>
               <a:spcBef>
                 <a:spcPct val="0"/>
@@ -10363,13 +10771,11 @@
                 <a:spcPct val="0"/>
               </a:spcAft>
               <a:buClrTx/>
-              <a:buSzTx/>
               <a:buFontTx/>
               <a:buChar char="•"/>
-              <a:tabLst/>
             </a:pPr>
             <a:r>
-              <a:rPr kumimoji="0" lang="en-US" altLang="en-US" sz="1800" b="0" i="0" u="none" strike="noStrike" cap="none" normalizeH="0" baseline="0">
+              <a:rPr kumimoji="0" lang="en-US" altLang="en-US" b="0" i="0" u="none" strike="noStrike" cap="none" normalizeH="0" baseline="0" dirty="0">
                 <a:ln>
                   <a:noFill/>
                 </a:ln>
@@ -10383,9 +10789,9 @@
             </a:r>
           </a:p>
           <a:p>
-            <a:pPr marL="457200" marR="0" lvl="1" indent="0" algn="l" defTabSz="914400" rtl="0" eaLnBrk="0" fontAlgn="base" latinLnBrk="0" hangingPunct="0">
+            <a:pPr marL="695643" lvl="2" indent="0" eaLnBrk="0" fontAlgn="base" hangingPunct="0">
               <a:lnSpc>
-                <a:spcPct val="100000"/>
+                <a:spcPct val="150000"/>
               </a:lnSpc>
               <a:spcBef>
                 <a:spcPct val="0"/>
@@ -10394,13 +10800,11 @@
                 <a:spcPct val="0"/>
               </a:spcAft>
               <a:buClrTx/>
-              <a:buSzTx/>
               <a:buFontTx/>
               <a:buChar char="•"/>
-              <a:tabLst/>
             </a:pPr>
             <a:r>
-              <a:rPr kumimoji="0" lang="en-US" altLang="en-US" sz="1800" b="0" i="0" u="none" strike="noStrike" cap="none" normalizeH="0" baseline="0">
+              <a:rPr kumimoji="0" lang="en-US" altLang="en-US" b="0" i="0" u="none" strike="noStrike" cap="none" normalizeH="0" baseline="0" dirty="0">
                 <a:ln>
                   <a:noFill/>
                 </a:ln>
@@ -10414,9 +10818,9 @@
             </a:r>
           </a:p>
           <a:p>
-            <a:pPr marL="457200" marR="0" lvl="1" indent="0" algn="l" defTabSz="914400" rtl="0" eaLnBrk="0" fontAlgn="base" latinLnBrk="0" hangingPunct="0">
+            <a:pPr marL="695643" lvl="2" indent="0" eaLnBrk="0" fontAlgn="base" hangingPunct="0">
               <a:lnSpc>
-                <a:spcPct val="100000"/>
+                <a:spcPct val="150000"/>
               </a:lnSpc>
               <a:spcBef>
                 <a:spcPct val="0"/>
@@ -10425,13 +10829,11 @@
                 <a:spcPct val="0"/>
               </a:spcAft>
               <a:buClrTx/>
-              <a:buSzTx/>
               <a:buFontTx/>
               <a:buChar char="•"/>
-              <a:tabLst/>
             </a:pPr>
             <a:r>
-              <a:rPr kumimoji="0" lang="en-US" altLang="en-US" sz="1800" b="0" i="0" u="none" strike="noStrike" cap="none" normalizeH="0" baseline="0">
+              <a:rPr kumimoji="0" lang="en-US" altLang="en-US" b="0" i="0" u="none" strike="noStrike" cap="none" normalizeH="0" baseline="0" dirty="0">
                 <a:ln>
                   <a:noFill/>
                 </a:ln>
@@ -10445,9 +10847,9 @@
             </a:r>
           </a:p>
           <a:p>
-            <a:pPr marL="0" marR="0" lvl="0" indent="0" algn="l" defTabSz="914400" rtl="0" eaLnBrk="0" fontAlgn="base" latinLnBrk="0" hangingPunct="0">
+            <a:pPr marL="279082" lvl="1" indent="0" eaLnBrk="0" fontAlgn="base" hangingPunct="0">
               <a:lnSpc>
-                <a:spcPct val="100000"/>
+                <a:spcPct val="150000"/>
               </a:lnSpc>
               <a:spcBef>
                 <a:spcPct val="0"/>
@@ -10456,13 +10858,11 @@
                 <a:spcPct val="0"/>
               </a:spcAft>
               <a:buClrTx/>
-              <a:buSzTx/>
               <a:buFontTx/>
               <a:buChar char="•"/>
-              <a:tabLst/>
             </a:pPr>
             <a:r>
-              <a:rPr kumimoji="0" lang="en-US" altLang="en-US" sz="1800" b="1" i="0" u="none" strike="noStrike" cap="none" normalizeH="0" baseline="0">
+              <a:rPr kumimoji="0" lang="en-US" altLang="en-US" sz="1600" b="1" i="0" u="none" strike="noStrike" cap="none" normalizeH="0" baseline="0" dirty="0">
                 <a:ln>
                   <a:noFill/>
                 </a:ln>
@@ -10474,7 +10874,7 @@
               </a:rPr>
               <a:t>Frontend:</a:t>
             </a:r>
-            <a:endParaRPr kumimoji="0" lang="en-US" altLang="en-US" sz="1800" b="0" i="0" u="none" strike="noStrike" cap="none" normalizeH="0" baseline="0">
+            <a:endParaRPr kumimoji="0" lang="en-US" altLang="en-US" sz="1600" b="0" i="0" u="none" strike="noStrike" cap="none" normalizeH="0" baseline="0" dirty="0">
               <a:ln>
                 <a:noFill/>
               </a:ln>
@@ -10486,9 +10886,9 @@
             </a:endParaRPr>
           </a:p>
           <a:p>
-            <a:pPr marL="457200" marR="0" lvl="1" indent="0" algn="l" defTabSz="914400" rtl="0" eaLnBrk="0" fontAlgn="base" latinLnBrk="0" hangingPunct="0">
+            <a:pPr marL="695643" lvl="2" indent="0" eaLnBrk="0" fontAlgn="base" hangingPunct="0">
               <a:lnSpc>
-                <a:spcPct val="100000"/>
+                <a:spcPct val="150000"/>
               </a:lnSpc>
               <a:spcBef>
                 <a:spcPct val="0"/>
@@ -10497,13 +10897,11 @@
                 <a:spcPct val="0"/>
               </a:spcAft>
               <a:buClrTx/>
-              <a:buSzTx/>
               <a:buFontTx/>
               <a:buChar char="•"/>
-              <a:tabLst/>
             </a:pPr>
             <a:r>
-              <a:rPr kumimoji="0" lang="en-US" altLang="en-US" sz="1800" b="0" i="0" u="none" strike="noStrike" cap="none" normalizeH="0" baseline="0">
+              <a:rPr kumimoji="0" lang="en-US" altLang="en-US" b="0" i="0" u="none" strike="noStrike" cap="none" normalizeH="0" baseline="0" dirty="0">
                 <a:ln>
                   <a:noFill/>
                 </a:ln>
@@ -10513,28 +10911,10 @@
                 <a:effectLst/>
                 <a:latin typeface="Arial" panose="020B0604020202020204" pitchFamily="34" charset="0"/>
               </a:rPr>
-              <a:t>Node.js and npm (for React development)</a:t>
-            </a:r>
-          </a:p>
-          <a:p>
-            <a:pPr marL="457200" marR="0" lvl="1" indent="0" algn="l" defTabSz="914400" rtl="0" eaLnBrk="0" fontAlgn="base" latinLnBrk="0" hangingPunct="0">
-              <a:lnSpc>
-                <a:spcPct val="100000"/>
-              </a:lnSpc>
-              <a:spcBef>
-                <a:spcPct val="0"/>
-              </a:spcBef>
-              <a:spcAft>
-                <a:spcPct val="0"/>
-              </a:spcAft>
-              <a:buClrTx/>
-              <a:buSzTx/>
-              <a:buFontTx/>
-              <a:buChar char="•"/>
-              <a:tabLst/>
-            </a:pPr>
-            <a:r>
-              <a:rPr kumimoji="0" lang="en-US" altLang="en-US" sz="1800" b="0" i="0" u="none" strike="noStrike" cap="none" normalizeH="0" baseline="0">
+              <a:t>Node.js and </a:t>
+            </a:r>
+            <a:r>
+              <a:rPr kumimoji="0" lang="en-US" altLang="en-US" b="0" i="0" u="none" strike="noStrike" cap="none" normalizeH="0" baseline="0" dirty="0" err="1">
                 <a:ln>
                   <a:noFill/>
                 </a:ln>
@@ -10544,28 +10924,10 @@
                 <a:effectLst/>
                 <a:latin typeface="Arial" panose="020B0604020202020204" pitchFamily="34" charset="0"/>
               </a:rPr>
-              <a:t>A modern web browser (Chrome, Firefox)</a:t>
-            </a:r>
-          </a:p>
-          <a:p>
-            <a:pPr marL="0" marR="0" lvl="0" indent="0" algn="l" defTabSz="914400" rtl="0" eaLnBrk="0" fontAlgn="base" latinLnBrk="0" hangingPunct="0">
-              <a:lnSpc>
-                <a:spcPct val="100000"/>
-              </a:lnSpc>
-              <a:spcBef>
-                <a:spcPct val="0"/>
-              </a:spcBef>
-              <a:spcAft>
-                <a:spcPct val="0"/>
-              </a:spcAft>
-              <a:buClrTx/>
-              <a:buSzTx/>
-              <a:buFontTx/>
-              <a:buChar char="•"/>
-              <a:tabLst/>
-            </a:pPr>
-            <a:r>
-              <a:rPr kumimoji="0" lang="en-US" altLang="en-US" sz="1800" b="1" i="0" u="none" strike="noStrike" cap="none" normalizeH="0" baseline="0">
+              <a:t>npm</a:t>
+            </a:r>
+            <a:r>
+              <a:rPr kumimoji="0" lang="en-US" altLang="en-US" b="0" i="0" u="none" strike="noStrike" cap="none" normalizeH="0" baseline="0" dirty="0">
                 <a:ln>
                   <a:noFill/>
                 </a:ln>
@@ -10575,9 +10937,67 @@
                 <a:effectLst/>
                 <a:latin typeface="Arial" panose="020B0604020202020204" pitchFamily="34" charset="0"/>
               </a:rPr>
+              <a:t> (for React development)</a:t>
+            </a:r>
+          </a:p>
+          <a:p>
+            <a:pPr marL="695643" lvl="2" indent="0" eaLnBrk="0" fontAlgn="base" hangingPunct="0">
+              <a:lnSpc>
+                <a:spcPct val="150000"/>
+              </a:lnSpc>
+              <a:spcBef>
+                <a:spcPct val="0"/>
+              </a:spcBef>
+              <a:spcAft>
+                <a:spcPct val="0"/>
+              </a:spcAft>
+              <a:buClrTx/>
+              <a:buFontTx/>
+              <a:buChar char="•"/>
+            </a:pPr>
+            <a:r>
+              <a:rPr kumimoji="0" lang="en-US" altLang="en-US" b="0" i="0" u="none" strike="noStrike" cap="none" normalizeH="0" baseline="0" dirty="0">
+                <a:ln>
+                  <a:noFill/>
+                </a:ln>
+                <a:solidFill>
+                  <a:schemeClr val="tx1"/>
+                </a:solidFill>
+                <a:effectLst/>
+                <a:latin typeface="Arial" panose="020B0604020202020204" pitchFamily="34" charset="0"/>
+              </a:rPr>
+              <a:t>A modern web browser (Chrome, Firefox)</a:t>
+            </a:r>
+          </a:p>
+          <a:p>
+            <a:pPr marL="279082" lvl="1" indent="0" eaLnBrk="0" fontAlgn="base" hangingPunct="0">
+              <a:lnSpc>
+                <a:spcPct val="150000"/>
+              </a:lnSpc>
+              <a:spcBef>
+                <a:spcPct val="0"/>
+              </a:spcBef>
+              <a:spcAft>
+                <a:spcPct val="0"/>
+              </a:spcAft>
+              <a:buClrTx/>
+              <a:buFontTx/>
+              <a:buChar char="•"/>
+            </a:pPr>
+            <a:r>
+              <a:rPr kumimoji="0" lang="en-US" altLang="en-US" sz="1600" b="1" i="0" u="none" strike="noStrike" cap="none" normalizeH="0" baseline="0" dirty="0">
+                <a:ln>
+                  <a:noFill/>
+                </a:ln>
+                <a:solidFill>
+                  <a:schemeClr val="tx1"/>
+                </a:solidFill>
+                <a:effectLst/>
+                <a:latin typeface="Arial" panose="020B0604020202020204" pitchFamily="34" charset="0"/>
+              </a:rPr>
               <a:t>Development Tools:</a:t>
             </a:r>
-            <a:endParaRPr kumimoji="0" lang="en-US" altLang="en-US" sz="1800" b="0" i="0" u="none" strike="noStrike" cap="none" normalizeH="0" baseline="0">
+            <a:endParaRPr kumimoji="0" lang="en-US" altLang="en-US" sz="1600" b="0" i="0" u="none" strike="noStrike" cap="none" normalizeH="0" baseline="0" dirty="0">
               <a:ln>
                 <a:noFill/>
               </a:ln>
@@ -10589,9 +11009,9 @@
             </a:endParaRPr>
           </a:p>
           <a:p>
-            <a:pPr marL="457200" marR="0" lvl="1" indent="0" algn="l" defTabSz="914400" rtl="0" eaLnBrk="0" fontAlgn="base" latinLnBrk="0" hangingPunct="0">
+            <a:pPr marL="695643" lvl="2" indent="0" eaLnBrk="0" fontAlgn="base" hangingPunct="0">
               <a:lnSpc>
-                <a:spcPct val="100000"/>
+                <a:spcPct val="150000"/>
               </a:lnSpc>
               <a:spcBef>
                 <a:spcPct val="0"/>
@@ -10600,13 +11020,11 @@
                 <a:spcPct val="0"/>
               </a:spcAft>
               <a:buClrTx/>
-              <a:buSzTx/>
               <a:buFontTx/>
               <a:buChar char="•"/>
-              <a:tabLst/>
             </a:pPr>
             <a:r>
-              <a:rPr kumimoji="0" lang="en-US" altLang="en-US" sz="1800" b="0" i="0" u="none" strike="noStrike" cap="none" normalizeH="0" baseline="0">
+              <a:rPr kumimoji="0" lang="en-US" altLang="en-US" b="0" i="0" u="none" strike="noStrike" cap="none" normalizeH="0" baseline="0" dirty="0">
                 <a:ln>
                   <a:noFill/>
                 </a:ln>
@@ -10620,9 +11038,9 @@
             </a:r>
           </a:p>
           <a:p>
-            <a:pPr marL="457200" marR="0" lvl="1" indent="0" algn="l" defTabSz="914400" rtl="0" eaLnBrk="0" fontAlgn="base" latinLnBrk="0" hangingPunct="0">
+            <a:pPr marL="695643" lvl="2" indent="0" eaLnBrk="0" fontAlgn="base" hangingPunct="0">
               <a:lnSpc>
-                <a:spcPct val="100000"/>
+                <a:spcPct val="150000"/>
               </a:lnSpc>
               <a:spcBef>
                 <a:spcPct val="0"/>
@@ -10631,13 +11049,11 @@
                 <a:spcPct val="0"/>
               </a:spcAft>
               <a:buClrTx/>
-              <a:buSzTx/>
               <a:buFontTx/>
               <a:buChar char="•"/>
-              <a:tabLst/>
             </a:pPr>
             <a:r>
-              <a:rPr kumimoji="0" lang="en-US" altLang="en-US" sz="1800" b="0" i="0" u="none" strike="noStrike" cap="none" normalizeH="0" baseline="0">
+              <a:rPr kumimoji="0" lang="en-US" altLang="en-US" b="0" i="0" u="none" strike="noStrike" cap="none" normalizeH="0" baseline="0" dirty="0">
                 <a:ln>
                   <a:noFill/>
                 </a:ln>
@@ -10649,69 +11065,13 @@
               </a:rPr>
               <a:t>Git for version control.</a:t>
             </a:r>
-          </a:p>
-          <a:p>
-            <a:pPr marL="0" marR="0" lvl="0" indent="0" algn="l" defTabSz="914400" rtl="0" eaLnBrk="0" fontAlgn="base" latinLnBrk="0" hangingPunct="0">
-              <a:lnSpc>
-                <a:spcPct val="100000"/>
-              </a:lnSpc>
-              <a:spcBef>
-                <a:spcPct val="0"/>
-              </a:spcBef>
-              <a:spcAft>
-                <a:spcPct val="0"/>
-              </a:spcAft>
-              <a:buClrTx/>
-              <a:buSzTx/>
-              <a:buFontTx/>
-              <a:buChar char="•"/>
-              <a:tabLst/>
-            </a:pPr>
-            <a:r>
-              <a:rPr kumimoji="0" lang="en-US" altLang="en-US" sz="1800" b="1" i="0" u="none" strike="noStrike" cap="none" normalizeH="0" baseline="0">
-                <a:ln>
-                  <a:noFill/>
-                </a:ln>
-                <a:solidFill>
-                  <a:schemeClr val="tx1"/>
-                </a:solidFill>
-                <a:effectLst/>
+            <a:r>
+              <a:rPr lang="en-US" altLang="en-US" sz="1800" dirty="0">
                 <a:latin typeface="Arial" panose="020B0604020202020204" pitchFamily="34" charset="0"/>
               </a:rPr>
-              <a:t>Optional:</a:t>
-            </a:r>
-            <a:r>
-              <a:rPr kumimoji="0" lang="en-US" altLang="en-US" sz="1800" b="0" i="0" u="none" strike="noStrike" cap="none" normalizeH="0" baseline="0">
-                <a:ln>
-                  <a:noFill/>
-                </a:ln>
-                <a:solidFill>
-                  <a:schemeClr val="tx1"/>
-                </a:solidFill>
-                <a:effectLst/>
-                <a:latin typeface="Arial" panose="020B0604020202020204" pitchFamily="34" charset="0"/>
-              </a:rPr>
-              <a:t> Tools for diagramming (draw.io, Lucidchart).</a:t>
-            </a:r>
-          </a:p>
-          <a:p>
-            <a:pPr marL="0" marR="0" lvl="0" indent="0" algn="l" defTabSz="914400" rtl="0" eaLnBrk="0" fontAlgn="base" latinLnBrk="0" hangingPunct="0">
-              <a:lnSpc>
-                <a:spcPct val="100000"/>
-              </a:lnSpc>
-              <a:spcBef>
-                <a:spcPct val="0"/>
-              </a:spcBef>
-              <a:spcAft>
-                <a:spcPct val="0"/>
-              </a:spcAft>
-              <a:buClrTx/>
-              <a:buSzTx/>
-              <a:buFontTx/>
-              <a:buNone/>
-              <a:tabLst/>
-            </a:pPr>
-            <a:endParaRPr kumimoji="0" lang="en-US" altLang="en-US" sz="1800" b="0" i="0" u="none" strike="noStrike" cap="none" normalizeH="0" baseline="0">
+              <a:t> </a:t>
+            </a:r>
+            <a:endParaRPr kumimoji="0" lang="en-US" altLang="en-US" b="0" i="0" u="none" strike="noStrike" cap="none" normalizeH="0" baseline="0" dirty="0">
               <a:ln>
                 <a:noFill/>
               </a:ln>

--- a/DBMS-Project/others-details/Presentation-001.pptx
+++ b/DBMS-Project/others-details/Presentation-001.pptx
@@ -346,7 +346,7 @@
             <a:fld id="{004A8D02-4E65-4CCD-8312-4AB164C6C77D}" type="datetimeFigureOut">
               <a:rPr lang="en-US"/>
               <a:pPr/>
-              <a:t>4/11/2025</a:t>
+              <a:t>5/24/2025</a:t>
             </a:fld>
             <a:endParaRPr/>
           </a:p>
@@ -513,7 +513,7 @@
             <a:fld id="{67A755D9-D361-47B8-9652-3B4EA9776CE5}" type="datetimeFigureOut">
               <a:rPr lang="en-US"/>
               <a:pPr/>
-              <a:t>4/11/2025</a:t>
+              <a:t>5/24/2025</a:t>
             </a:fld>
             <a:endParaRPr/>
           </a:p>
@@ -1080,7 +1080,7 @@
           <a:p>
             <a:fld id="{7CCC7A8B-1843-4C10-BD48-549C52F09A41}" type="datetime1">
               <a:rPr lang="en-US" smtClean="0"/>
-              <a:t>4/11/2025</a:t>
+              <a:t>5/24/2025</a:t>
             </a:fld>
             <a:endParaRPr lang="en-US"/>
           </a:p>
@@ -1282,7 +1282,7 @@
           <a:p>
             <a:fld id="{5A32DF55-F1A5-4921-BB75-80A6B9C86710}" type="datetime1">
               <a:rPr lang="en-US" smtClean="0"/>
-              <a:t>4/11/2025</a:t>
+              <a:t>5/24/2025</a:t>
             </a:fld>
             <a:endParaRPr lang="en-US"/>
           </a:p>
@@ -1494,7 +1494,7 @@
           <a:p>
             <a:fld id="{B4E751F9-62FB-4BB4-86C6-08F1999D6468}" type="datetime1">
               <a:rPr lang="en-US" smtClean="0"/>
-              <a:t>4/11/2025</a:t>
+              <a:t>5/24/2025</a:t>
             </a:fld>
             <a:endParaRPr lang="en-US"/>
           </a:p>
@@ -1713,7 +1713,7 @@
           <a:p>
             <a:fld id="{D203E9BC-FBE0-4DA7-9003-E01F7F88FF5D}" type="datetime1">
               <a:rPr lang="en-US" smtClean="0"/>
-              <a:t>4/11/2025</a:t>
+              <a:t>5/24/2025</a:t>
             </a:fld>
             <a:endParaRPr lang="en-US"/>
           </a:p>
@@ -1980,7 +1980,7 @@
           <a:p>
             <a:fld id="{F9937E29-20D5-4F86-9105-E1299883AB14}" type="datetime1">
               <a:rPr lang="en-US" smtClean="0"/>
-              <a:t>4/11/2025</a:t>
+              <a:t>5/24/2025</a:t>
             </a:fld>
             <a:endParaRPr lang="en-US"/>
           </a:p>
@@ -2293,7 +2293,7 @@
           <a:p>
             <a:fld id="{C7A431B2-F922-48EF-A1BC-5AE99E5B4EED}" type="datetime1">
               <a:rPr lang="en-US" smtClean="0"/>
-              <a:t>4/11/2025</a:t>
+              <a:t>5/24/2025</a:t>
             </a:fld>
             <a:endParaRPr lang="en-US"/>
           </a:p>
@@ -2746,7 +2746,7 @@
           <a:p>
             <a:fld id="{39A3A252-B90E-454C-8366-AF929F147DAB}" type="datetime1">
               <a:rPr lang="en-US" smtClean="0"/>
-              <a:t>4/11/2025</a:t>
+              <a:t>5/24/2025</a:t>
             </a:fld>
             <a:endParaRPr lang="en-US"/>
           </a:p>
@@ -2880,7 +2880,7 @@
           <a:p>
             <a:fld id="{680D00B5-6BDC-4E66-9B90-011B76CE88E3}" type="datetime1">
               <a:rPr lang="en-US" smtClean="0"/>
-              <a:t>4/11/2025</a:t>
+              <a:t>5/24/2025</a:t>
             </a:fld>
             <a:endParaRPr lang="en-US"/>
           </a:p>
@@ -2991,7 +2991,7 @@
           <a:p>
             <a:fld id="{B0718023-F412-4E60-A419-E440A38056F0}" type="datetime1">
               <a:rPr lang="en-US" smtClean="0"/>
-              <a:t>4/11/2025</a:t>
+              <a:t>5/24/2025</a:t>
             </a:fld>
             <a:endParaRPr lang="en-US"/>
           </a:p>
@@ -3293,7 +3293,7 @@
           <a:p>
             <a:fld id="{B1CF2C6C-6CF1-4ED5-8151-8D1A972F524C}" type="datetime1">
               <a:rPr lang="en-US" smtClean="0"/>
-              <a:t>4/11/2025</a:t>
+              <a:t>5/24/2025</a:t>
             </a:fld>
             <a:endParaRPr lang="en-US"/>
           </a:p>
@@ -4909,7 +4909,7 @@
           <a:p>
             <a:fld id="{D761B6B8-D46C-4DCB-B338-1F5D00F6D50E}" type="datetime1">
               <a:rPr lang="en-US" smtClean="0"/>
-              <a:t>4/11/2025</a:t>
+              <a:t>5/24/2025</a:t>
             </a:fld>
             <a:endParaRPr lang="en-US"/>
           </a:p>
@@ -9758,10 +9758,10 @@
       </p:sp>
       <p:pic>
         <p:nvPicPr>
-          <p:cNvPr id="7" name="Content Placeholder 6">
+          <p:cNvPr id="8" name="Content Placeholder 7">
             <a:extLst>
               <a:ext uri="{FF2B5EF4-FFF2-40B4-BE49-F238E27FC236}">
-                <a16:creationId xmlns:a16="http://schemas.microsoft.com/office/drawing/2014/main" id="{B95908FD-F618-D641-766C-C12085F6584B}"/>
+                <a16:creationId xmlns:a16="http://schemas.microsoft.com/office/drawing/2014/main" id="{69830DDD-2877-9BFB-1751-1A78D3A65967}"/>
               </a:ext>
             </a:extLst>
           </p:cNvPr>
@@ -9786,8 +9786,8 @@
         </p:blipFill>
         <p:spPr>
           <a:xfrm>
-            <a:off x="1426510" y="910883"/>
-            <a:ext cx="9697104" cy="5261317"/>
+            <a:off x="771643" y="1168699"/>
+            <a:ext cx="10772214" cy="4693086"/>
           </a:xfrm>
         </p:spPr>
       </p:pic>
